--- a/教材フォルダ/2週間インターンHTML,CSS,JavaScript教材.pptx
+++ b/教材フォルダ/2週間インターンHTML,CSS,JavaScript教材.pptx
@@ -5,53 +5,54 @@
     <p:sldMasterId id="2147483648" r:id="rId1"/>
   </p:sldMasterIdLst>
   <p:notesMasterIdLst>
-    <p:notesMasterId r:id="rId29"/>
+    <p:notesMasterId r:id="rId30"/>
   </p:notesMasterIdLst>
   <p:sldIdLst>
     <p:sldId id="256" r:id="rId2"/>
-    <p:sldId id="257" r:id="rId3"/>
-    <p:sldId id="258" r:id="rId4"/>
-    <p:sldId id="259" r:id="rId5"/>
-    <p:sldId id="260" r:id="rId6"/>
-    <p:sldId id="261" r:id="rId7"/>
-    <p:sldId id="262" r:id="rId8"/>
-    <p:sldId id="263" r:id="rId9"/>
-    <p:sldId id="264" r:id="rId10"/>
-    <p:sldId id="265" r:id="rId11"/>
-    <p:sldId id="266" r:id="rId12"/>
-    <p:sldId id="267" r:id="rId13"/>
-    <p:sldId id="268" r:id="rId14"/>
-    <p:sldId id="269" r:id="rId15"/>
-    <p:sldId id="270" r:id="rId16"/>
-    <p:sldId id="271" r:id="rId17"/>
-    <p:sldId id="272" r:id="rId18"/>
-    <p:sldId id="273" r:id="rId19"/>
-    <p:sldId id="274" r:id="rId20"/>
-    <p:sldId id="275" r:id="rId21"/>
-    <p:sldId id="276" r:id="rId22"/>
-    <p:sldId id="277" r:id="rId23"/>
-    <p:sldId id="278" r:id="rId24"/>
-    <p:sldId id="279" r:id="rId25"/>
-    <p:sldId id="280" r:id="rId26"/>
-    <p:sldId id="282" r:id="rId27"/>
-    <p:sldId id="281" r:id="rId28"/>
+    <p:sldId id="283" r:id="rId3"/>
+    <p:sldId id="257" r:id="rId4"/>
+    <p:sldId id="258" r:id="rId5"/>
+    <p:sldId id="259" r:id="rId6"/>
+    <p:sldId id="260" r:id="rId7"/>
+    <p:sldId id="261" r:id="rId8"/>
+    <p:sldId id="262" r:id="rId9"/>
+    <p:sldId id="263" r:id="rId10"/>
+    <p:sldId id="264" r:id="rId11"/>
+    <p:sldId id="265" r:id="rId12"/>
+    <p:sldId id="266" r:id="rId13"/>
+    <p:sldId id="267" r:id="rId14"/>
+    <p:sldId id="268" r:id="rId15"/>
+    <p:sldId id="269" r:id="rId16"/>
+    <p:sldId id="270" r:id="rId17"/>
+    <p:sldId id="271" r:id="rId18"/>
+    <p:sldId id="272" r:id="rId19"/>
+    <p:sldId id="273" r:id="rId20"/>
+    <p:sldId id="274" r:id="rId21"/>
+    <p:sldId id="275" r:id="rId22"/>
+    <p:sldId id="276" r:id="rId23"/>
+    <p:sldId id="277" r:id="rId24"/>
+    <p:sldId id="278" r:id="rId25"/>
+    <p:sldId id="279" r:id="rId26"/>
+    <p:sldId id="280" r:id="rId27"/>
+    <p:sldId id="282" r:id="rId28"/>
+    <p:sldId id="281" r:id="rId29"/>
   </p:sldIdLst>
   <p:sldSz cx="9144000" cy="5143500" type="screen16x9"/>
   <p:notesSz cx="6807200" cy="9939338"/>
   <p:embeddedFontLst>
     <p:embeddedFont>
       <p:font typeface="Meiryo" panose="020B0604030504040204" pitchFamily="34" charset="-128"/>
-      <p:regular r:id="rId30"/>
-      <p:bold r:id="rId31"/>
-      <p:italic r:id="rId32"/>
-      <p:boldItalic r:id="rId33"/>
+      <p:regular r:id="rId31"/>
+      <p:bold r:id="rId32"/>
+      <p:italic r:id="rId33"/>
+      <p:boldItalic r:id="rId34"/>
     </p:embeddedFont>
     <p:embeddedFont>
       <p:font typeface="Open Sans SemiBold" panose="020F0502020204030204" pitchFamily="34" charset="0"/>
-      <p:regular r:id="rId34"/>
-      <p:bold r:id="rId35"/>
-      <p:italic r:id="rId36"/>
-      <p:boldItalic r:id="rId37"/>
+      <p:regular r:id="rId35"/>
+      <p:bold r:id="rId36"/>
+      <p:italic r:id="rId37"/>
+      <p:boldItalic r:id="rId38"/>
     </p:embeddedFont>
   </p:embeddedFontLst>
   <p:defaultTextStyle>
@@ -299,7 +300,7 @@
       </p15:sldGuideLst>
     </p:ext>
     <p:ext uri="GoogleSlidesCustomDataVersion2">
-      <go:slidesCustomData xmlns:go="http://customooxmlschemas.google.com/" xmlns:ahyp="http://schemas.microsoft.com/office/drawing/2018/hyperlinkcolor" xmlns:p15="http://schemas.microsoft.com/office/powerpoint/2012/main" xmlns:p14="http://schemas.microsoft.com/office/powerpoint/2010/main" xmlns:com="http://schemas.openxmlformats.org/drawingml/2006/compatibility" xmlns:pvml="urn:schemas-microsoft-com:office:powerpoint" xmlns:v="urn:schemas-microsoft-com:vml" xmlns:o="urn:schemas-microsoft-com:office:office" xmlns:dgm="http://schemas.openxmlformats.org/drawingml/2006/diagram" xmlns:c="http://schemas.openxmlformats.org/drawingml/2006/chart" xmlns:mv="urn:schemas-microsoft-com:mac:vml" xmlns:mc="http://schemas.openxmlformats.org/markup-compatibility/2006" xmlns="" r:id="rId38" roundtripDataSignature="AMtx7mgDREp7hIpVwltuNnizQJ9y7ts17w=="/>
+      <go:slidesCustomData xmlns="" xmlns:mc="http://schemas.openxmlformats.org/markup-compatibility/2006" xmlns:mv="urn:schemas-microsoft-com:mac:vml" xmlns:c="http://schemas.openxmlformats.org/drawingml/2006/chart" xmlns:dgm="http://schemas.openxmlformats.org/drawingml/2006/diagram" xmlns:o="urn:schemas-microsoft-com:office:office" xmlns:v="urn:schemas-microsoft-com:vml" xmlns:pvml="urn:schemas-microsoft-com:office:powerpoint" xmlns:com="http://schemas.openxmlformats.org/drawingml/2006/compatibility" xmlns:p14="http://schemas.microsoft.com/office/powerpoint/2010/main" xmlns:p15="http://schemas.microsoft.com/office/powerpoint/2012/main" xmlns:ahyp="http://schemas.microsoft.com/office/drawing/2018/hyperlinkcolor" xmlns:go="http://customooxmlschemas.google.com/" r:id="rId39" roundtripDataSignature="AMtx7mgDREp7hIpVwltuNnizQJ9y7ts17w=="/>
     </p:ext>
   </p:extLst>
 </p:presentation>
@@ -1935,6 +1936,128 @@
   <p:cSld>
     <p:spTree>
       <p:nvGrpSpPr>
+        <p:cNvPr id="1" name="Shape 116"/>
+        <p:cNvGrpSpPr/>
+        <p:nvPr/>
+      </p:nvGrpSpPr>
+      <p:grpSpPr>
+        <a:xfrm>
+          <a:off x="0" y="0"/>
+          <a:ext cx="0" cy="0"/>
+          <a:chOff x="0" y="0"/>
+          <a:chExt cx="0" cy="0"/>
+        </a:xfrm>
+      </p:grpSpPr>
+      <p:sp>
+        <p:nvSpPr>
+          <p:cNvPr id="117" name="Google Shape;117;p9:notes"/>
+          <p:cNvSpPr txBox="1">
+            <a:spLocks noGrp="1"/>
+          </p:cNvSpPr>
+          <p:nvPr>
+            <p:ph type="body" idx="1"/>
+          </p:nvPr>
+        </p:nvSpPr>
+        <p:spPr>
+          <a:xfrm>
+            <a:off x="680720" y="4721186"/>
+            <a:ext cx="5445900" cy="4472700"/>
+          </a:xfrm>
+          <a:prstGeom prst="rect">
+            <a:avLst/>
+          </a:prstGeom>
+          <a:noFill/>
+          <a:ln>
+            <a:noFill/>
+          </a:ln>
+        </p:spPr>
+        <p:txBody>
+          <a:bodyPr spcFirstLastPara="1" wrap="square" lIns="91425" tIns="45700" rIns="91425" bIns="45700" anchor="t" anchorCtr="0">
+            <a:noAutofit/>
+          </a:bodyPr>
+          <a:lstStyle/>
+          <a:p>
+            <a:pPr marL="0" lvl="0" indent="0" algn="l" rtl="0">
+              <a:lnSpc>
+                <a:spcPct val="100000"/>
+              </a:lnSpc>
+              <a:spcBef>
+                <a:spcPts val="0"/>
+              </a:spcBef>
+              <a:spcAft>
+                <a:spcPts val="0"/>
+              </a:spcAft>
+              <a:buSzPts val="1400"/>
+              <a:buNone/>
+            </a:pPr>
+            <a:endParaRPr/>
+          </a:p>
+        </p:txBody>
+      </p:sp>
+      <p:sp>
+        <p:nvSpPr>
+          <p:cNvPr id="118" name="Google Shape;118;p9:notes"/>
+          <p:cNvSpPr>
+            <a:spLocks noGrp="1" noRot="1" noChangeAspect="1"/>
+          </p:cNvSpPr>
+          <p:nvPr>
+            <p:ph type="sldImg" idx="2"/>
+          </p:nvPr>
+        </p:nvSpPr>
+        <p:spPr>
+          <a:xfrm>
+            <a:off x="92075" y="746125"/>
+            <a:ext cx="6623050" cy="3725863"/>
+          </a:xfrm>
+          <a:custGeom>
+            <a:avLst/>
+            <a:gdLst/>
+            <a:ahLst/>
+            <a:cxnLst/>
+            <a:rect l="l" t="t" r="r" b="b"/>
+            <a:pathLst>
+              <a:path w="120000" h="120000" extrusionOk="0">
+                <a:moveTo>
+                  <a:pt x="0" y="0"/>
+                </a:moveTo>
+                <a:lnTo>
+                  <a:pt x="120000" y="0"/>
+                </a:lnTo>
+                <a:lnTo>
+                  <a:pt x="120000" y="120000"/>
+                </a:lnTo>
+                <a:lnTo>
+                  <a:pt x="0" y="120000"/>
+                </a:lnTo>
+                <a:close/>
+              </a:path>
+            </a:pathLst>
+          </a:custGeom>
+          <a:noFill/>
+          <a:ln w="12700" cap="flat" cmpd="sng">
+            <a:solidFill>
+              <a:srgbClr val="000000"/>
+            </a:solidFill>
+            <a:prstDash val="solid"/>
+            <a:round/>
+            <a:headEnd type="none" w="sm" len="sm"/>
+            <a:tailEnd type="none" w="sm" len="sm"/>
+          </a:ln>
+        </p:spPr>
+      </p:sp>
+    </p:spTree>
+  </p:cSld>
+  <p:clrMapOvr>
+    <a:masterClrMapping/>
+  </p:clrMapOvr>
+</p:notes>
+</file>
+
+<file path=ppt/notesSlides/notesSlide11.xml><?xml version="1.0" encoding="utf-8"?>
+<p:notes xmlns:a="http://schemas.openxmlformats.org/drawingml/2006/main" xmlns:r="http://schemas.openxmlformats.org/officeDocument/2006/relationships" xmlns:p="http://schemas.openxmlformats.org/presentationml/2006/main" showMasterSp="0" showMasterPhAnim="0">
+  <p:cSld>
+    <p:spTree>
+      <p:nvGrpSpPr>
         <p:cNvPr id="1" name="Shape 135"/>
         <p:cNvGrpSpPr/>
         <p:nvPr/>
@@ -2052,7 +2175,7 @@
 </p:notes>
 </file>
 
-<file path=ppt/notesSlides/notesSlide11.xml><?xml version="1.0" encoding="utf-8"?>
+<file path=ppt/notesSlides/notesSlide12.xml><?xml version="1.0" encoding="utf-8"?>
 <p:notes xmlns:a="http://schemas.openxmlformats.org/drawingml/2006/main" xmlns:r="http://schemas.openxmlformats.org/officeDocument/2006/relationships" xmlns:p="http://schemas.openxmlformats.org/presentationml/2006/main" showMasterSp="0" showMasterPhAnim="0">
   <p:cSld>
     <p:spTree>
@@ -2174,7 +2297,7 @@
 </p:notes>
 </file>
 
-<file path=ppt/notesSlides/notesSlide12.xml><?xml version="1.0" encoding="utf-8"?>
+<file path=ppt/notesSlides/notesSlide13.xml><?xml version="1.0" encoding="utf-8"?>
 <p:notes xmlns:a="http://schemas.openxmlformats.org/drawingml/2006/main" xmlns:r="http://schemas.openxmlformats.org/officeDocument/2006/relationships" xmlns:p="http://schemas.openxmlformats.org/presentationml/2006/main" showMasterSp="0" showMasterPhAnim="0">
   <p:cSld>
     <p:spTree>
@@ -2250,7 +2373,7 @@
         <p:spPr>
           <a:xfrm>
             <a:off x="92075" y="746125"/>
-            <a:ext cx="6623100" cy="3726000"/>
+            <a:ext cx="6623050" cy="3725863"/>
           </a:xfrm>
           <a:custGeom>
             <a:avLst/>
@@ -2296,7 +2419,7 @@
 </p:notes>
 </file>
 
-<file path=ppt/notesSlides/notesSlide13.xml><?xml version="1.0" encoding="utf-8"?>
+<file path=ppt/notesSlides/notesSlide14.xml><?xml version="1.0" encoding="utf-8"?>
 <p:notes xmlns:a="http://schemas.openxmlformats.org/drawingml/2006/main" xmlns:r="http://schemas.openxmlformats.org/officeDocument/2006/relationships" xmlns:p="http://schemas.openxmlformats.org/presentationml/2006/main" showMasterSp="0" showMasterPhAnim="0">
   <p:cSld>
     <p:spTree>
@@ -2372,7 +2495,7 @@
         <p:spPr>
           <a:xfrm>
             <a:off x="92075" y="746125"/>
-            <a:ext cx="6623100" cy="3726000"/>
+            <a:ext cx="6623050" cy="3725863"/>
           </a:xfrm>
           <a:custGeom>
             <a:avLst/>
@@ -2418,7 +2541,7 @@
 </p:notes>
 </file>
 
-<file path=ppt/notesSlides/notesSlide14.xml><?xml version="1.0" encoding="utf-8"?>
+<file path=ppt/notesSlides/notesSlide15.xml><?xml version="1.0" encoding="utf-8"?>
 <p:notes xmlns:a="http://schemas.openxmlformats.org/drawingml/2006/main" xmlns:r="http://schemas.openxmlformats.org/officeDocument/2006/relationships" xmlns:p="http://schemas.openxmlformats.org/presentationml/2006/main" showMasterSp="0" showMasterPhAnim="0">
   <p:cSld>
     <p:spTree>
@@ -2494,7 +2617,7 @@
         <p:spPr>
           <a:xfrm>
             <a:off x="92075" y="746125"/>
-            <a:ext cx="6623100" cy="3726000"/>
+            <a:ext cx="6623050" cy="3725863"/>
           </a:xfrm>
           <a:custGeom>
             <a:avLst/>
@@ -2540,7 +2663,7 @@
 </p:notes>
 </file>
 
-<file path=ppt/notesSlides/notesSlide15.xml><?xml version="1.0" encoding="utf-8"?>
+<file path=ppt/notesSlides/notesSlide16.xml><?xml version="1.0" encoding="utf-8"?>
 <p:notes xmlns:a="http://schemas.openxmlformats.org/drawingml/2006/main" xmlns:r="http://schemas.openxmlformats.org/officeDocument/2006/relationships" xmlns:p="http://schemas.openxmlformats.org/presentationml/2006/main" showMasterSp="0" showMasterPhAnim="0">
   <p:cSld>
     <p:spTree>
@@ -2616,7 +2739,7 @@
         <p:spPr>
           <a:xfrm>
             <a:off x="92075" y="746125"/>
-            <a:ext cx="6623100" cy="3726000"/>
+            <a:ext cx="6623050" cy="3725863"/>
           </a:xfrm>
           <a:custGeom>
             <a:avLst/>
@@ -2662,7 +2785,7 @@
 </p:notes>
 </file>
 
-<file path=ppt/notesSlides/notesSlide16.xml><?xml version="1.0" encoding="utf-8"?>
+<file path=ppt/notesSlides/notesSlide17.xml><?xml version="1.0" encoding="utf-8"?>
 <p:notes xmlns:a="http://schemas.openxmlformats.org/drawingml/2006/main" xmlns:r="http://schemas.openxmlformats.org/officeDocument/2006/relationships" xmlns:p="http://schemas.openxmlformats.org/presentationml/2006/main" showMasterSp="0" showMasterPhAnim="0">
   <p:cSld>
     <p:spTree>
@@ -2738,7 +2861,7 @@
         <p:spPr>
           <a:xfrm>
             <a:off x="92075" y="746125"/>
-            <a:ext cx="6623100" cy="3726000"/>
+            <a:ext cx="6623050" cy="3725863"/>
           </a:xfrm>
           <a:custGeom>
             <a:avLst/>
@@ -2784,7 +2907,7 @@
 </p:notes>
 </file>
 
-<file path=ppt/notesSlides/notesSlide17.xml><?xml version="1.0" encoding="utf-8"?>
+<file path=ppt/notesSlides/notesSlide18.xml><?xml version="1.0" encoding="utf-8"?>
 <p:notes xmlns:a="http://schemas.openxmlformats.org/drawingml/2006/main" xmlns:r="http://schemas.openxmlformats.org/officeDocument/2006/relationships" xmlns:p="http://schemas.openxmlformats.org/presentationml/2006/main" showMasterSp="0" showMasterPhAnim="0">
   <p:cSld>
     <p:spTree>
@@ -2860,7 +2983,7 @@
         <p:spPr>
           <a:xfrm>
             <a:off x="92075" y="746125"/>
-            <a:ext cx="6623100" cy="3726000"/>
+            <a:ext cx="6623050" cy="3725863"/>
           </a:xfrm>
           <a:custGeom>
             <a:avLst/>
@@ -2906,7 +3029,7 @@
 </p:notes>
 </file>
 
-<file path=ppt/notesSlides/notesSlide18.xml><?xml version="1.0" encoding="utf-8"?>
+<file path=ppt/notesSlides/notesSlide19.xml><?xml version="1.0" encoding="utf-8"?>
 <p:notes xmlns:a="http://schemas.openxmlformats.org/drawingml/2006/main" xmlns:r="http://schemas.openxmlformats.org/officeDocument/2006/relationships" xmlns:p="http://schemas.openxmlformats.org/presentationml/2006/main" showMasterSp="0" showMasterPhAnim="0">
   <p:cSld>
     <p:spTree>
@@ -3028,7 +3151,152 @@
 </p:notes>
 </file>
 
-<file path=ppt/notesSlides/notesSlide19.xml><?xml version="1.0" encoding="utf-8"?>
+<file path=ppt/notesSlides/notesSlide2.xml><?xml version="1.0" encoding="utf-8"?>
+<p:notes xmlns:a="http://schemas.openxmlformats.org/drawingml/2006/main" xmlns:r="http://schemas.openxmlformats.org/officeDocument/2006/relationships" xmlns:p="http://schemas.openxmlformats.org/presentationml/2006/main" showMasterSp="0" showMasterPhAnim="0">
+  <p:cSld>
+    <p:spTree>
+      <p:nvGrpSpPr>
+        <p:cNvPr id="1" name="Shape 272">
+          <a:extLst>
+            <a:ext uri="{FF2B5EF4-FFF2-40B4-BE49-F238E27FC236}">
+              <a16:creationId xmlns:a16="http://schemas.microsoft.com/office/drawing/2014/main" id="{F47E76B3-2972-0E1C-CE1E-C3630AA87B84}"/>
+            </a:ext>
+          </a:extLst>
+        </p:cNvPr>
+        <p:cNvGrpSpPr/>
+        <p:nvPr/>
+      </p:nvGrpSpPr>
+      <p:grpSpPr>
+        <a:xfrm>
+          <a:off x="0" y="0"/>
+          <a:ext cx="0" cy="0"/>
+          <a:chOff x="0" y="0"/>
+          <a:chExt cx="0" cy="0"/>
+        </a:xfrm>
+      </p:grpSpPr>
+      <p:sp>
+        <p:nvSpPr>
+          <p:cNvPr id="273" name="Google Shape;273;p20:notes">
+            <a:extLst>
+              <a:ext uri="{FF2B5EF4-FFF2-40B4-BE49-F238E27FC236}">
+                <a16:creationId xmlns:a16="http://schemas.microsoft.com/office/drawing/2014/main" id="{A017DB58-834B-B35C-FFF5-923C8E2D6897}"/>
+              </a:ext>
+            </a:extLst>
+          </p:cNvPr>
+          <p:cNvSpPr txBox="1">
+            <a:spLocks noGrp="1"/>
+          </p:cNvSpPr>
+          <p:nvPr>
+            <p:ph type="body" idx="1"/>
+          </p:nvPr>
+        </p:nvSpPr>
+        <p:spPr>
+          <a:xfrm>
+            <a:off x="680720" y="4721186"/>
+            <a:ext cx="5445900" cy="4472700"/>
+          </a:xfrm>
+          <a:prstGeom prst="rect">
+            <a:avLst/>
+          </a:prstGeom>
+          <a:noFill/>
+          <a:ln>
+            <a:noFill/>
+          </a:ln>
+        </p:spPr>
+        <p:txBody>
+          <a:bodyPr spcFirstLastPara="1" wrap="square" lIns="91425" tIns="45700" rIns="91425" bIns="45700" anchor="t" anchorCtr="0">
+            <a:noAutofit/>
+          </a:bodyPr>
+          <a:lstStyle/>
+          <a:p>
+            <a:pPr marL="0" lvl="0" indent="0" algn="l" rtl="0">
+              <a:lnSpc>
+                <a:spcPct val="100000"/>
+              </a:lnSpc>
+              <a:spcBef>
+                <a:spcPts val="0"/>
+              </a:spcBef>
+              <a:spcAft>
+                <a:spcPts val="0"/>
+              </a:spcAft>
+              <a:buSzPts val="1400"/>
+              <a:buNone/>
+            </a:pPr>
+            <a:endParaRPr/>
+          </a:p>
+        </p:txBody>
+      </p:sp>
+      <p:sp>
+        <p:nvSpPr>
+          <p:cNvPr id="274" name="Google Shape;274;p20:notes">
+            <a:extLst>
+              <a:ext uri="{FF2B5EF4-FFF2-40B4-BE49-F238E27FC236}">
+                <a16:creationId xmlns:a16="http://schemas.microsoft.com/office/drawing/2014/main" id="{0F52F082-F224-F94A-119D-384F69B3AA6E}"/>
+              </a:ext>
+            </a:extLst>
+          </p:cNvPr>
+          <p:cNvSpPr>
+            <a:spLocks noGrp="1" noRot="1" noChangeAspect="1"/>
+          </p:cNvSpPr>
+          <p:nvPr>
+            <p:ph type="sldImg" idx="2"/>
+          </p:nvPr>
+        </p:nvSpPr>
+        <p:spPr>
+          <a:xfrm>
+            <a:off x="92075" y="746125"/>
+            <a:ext cx="6623050" cy="3725863"/>
+          </a:xfrm>
+          <a:custGeom>
+            <a:avLst/>
+            <a:gdLst/>
+            <a:ahLst/>
+            <a:cxnLst/>
+            <a:rect l="l" t="t" r="r" b="b"/>
+            <a:pathLst>
+              <a:path w="120000" h="120000" extrusionOk="0">
+                <a:moveTo>
+                  <a:pt x="0" y="0"/>
+                </a:moveTo>
+                <a:lnTo>
+                  <a:pt x="120000" y="0"/>
+                </a:lnTo>
+                <a:lnTo>
+                  <a:pt x="120000" y="120000"/>
+                </a:lnTo>
+                <a:lnTo>
+                  <a:pt x="0" y="120000"/>
+                </a:lnTo>
+                <a:close/>
+              </a:path>
+            </a:pathLst>
+          </a:custGeom>
+          <a:noFill/>
+          <a:ln w="12700" cap="flat" cmpd="sng">
+            <a:solidFill>
+              <a:srgbClr val="000000"/>
+            </a:solidFill>
+            <a:prstDash val="solid"/>
+            <a:round/>
+            <a:headEnd type="none" w="sm" len="sm"/>
+            <a:tailEnd type="none" w="sm" len="sm"/>
+          </a:ln>
+        </p:spPr>
+      </p:sp>
+    </p:spTree>
+    <p:extLst>
+      <p:ext uri="{BB962C8B-B14F-4D97-AF65-F5344CB8AC3E}">
+        <p14:creationId xmlns:p14="http://schemas.microsoft.com/office/powerpoint/2010/main" val="1075883557"/>
+      </p:ext>
+    </p:extLst>
+  </p:cSld>
+  <p:clrMapOvr>
+    <a:masterClrMapping/>
+  </p:clrMapOvr>
+</p:notes>
+</file>
+
+<file path=ppt/notesSlides/notesSlide20.xml><?xml version="1.0" encoding="utf-8"?>
 <p:notes xmlns:a="http://schemas.openxmlformats.org/drawingml/2006/main" xmlns:r="http://schemas.openxmlformats.org/officeDocument/2006/relationships" xmlns:p="http://schemas.openxmlformats.org/presentationml/2006/main" showMasterSp="0" showMasterPhAnim="0">
   <p:cSld>
     <p:spTree>
@@ -3104,7 +3372,7 @@
         <p:spPr>
           <a:xfrm>
             <a:off x="92075" y="746125"/>
-            <a:ext cx="6623100" cy="3726000"/>
+            <a:ext cx="6623050" cy="3725863"/>
           </a:xfrm>
           <a:custGeom>
             <a:avLst/>
@@ -3150,183 +3418,7 @@
 </p:notes>
 </file>
 
-<file path=ppt/notesSlides/notesSlide2.xml><?xml version="1.0" encoding="utf-8"?>
-<p:notes xmlns:a="http://schemas.openxmlformats.org/drawingml/2006/main" xmlns:r="http://schemas.openxmlformats.org/officeDocument/2006/relationships" xmlns:p="http://schemas.openxmlformats.org/presentationml/2006/main" showMasterSp="0" showMasterPhAnim="0">
-  <p:cSld>
-    <p:spTree>
-      <p:nvGrpSpPr>
-        <p:cNvPr id="1" name="Shape 43"/>
-        <p:cNvGrpSpPr/>
-        <p:nvPr/>
-      </p:nvGrpSpPr>
-      <p:grpSpPr>
-        <a:xfrm>
-          <a:off x="0" y="0"/>
-          <a:ext cx="0" cy="0"/>
-          <a:chOff x="0" y="0"/>
-          <a:chExt cx="0" cy="0"/>
-        </a:xfrm>
-      </p:grpSpPr>
-      <p:sp>
-        <p:nvSpPr>
-          <p:cNvPr id="44" name="Google Shape;44;p2:notes"/>
-          <p:cNvSpPr>
-            <a:spLocks noGrp="1" noRot="1" noChangeAspect="1"/>
-          </p:cNvSpPr>
-          <p:nvPr>
-            <p:ph type="sldImg" idx="2"/>
-          </p:nvPr>
-        </p:nvSpPr>
-        <p:spPr>
-          <a:xfrm>
-            <a:off x="92075" y="746125"/>
-            <a:ext cx="6623100" cy="3726000"/>
-          </a:xfrm>
-          <a:custGeom>
-            <a:avLst/>
-            <a:gdLst/>
-            <a:ahLst/>
-            <a:cxnLst/>
-            <a:rect l="l" t="t" r="r" b="b"/>
-            <a:pathLst>
-              <a:path w="120000" h="120000" extrusionOk="0">
-                <a:moveTo>
-                  <a:pt x="0" y="0"/>
-                </a:moveTo>
-                <a:lnTo>
-                  <a:pt x="120000" y="0"/>
-                </a:lnTo>
-                <a:lnTo>
-                  <a:pt x="120000" y="120000"/>
-                </a:lnTo>
-                <a:lnTo>
-                  <a:pt x="0" y="120000"/>
-                </a:lnTo>
-                <a:close/>
-              </a:path>
-            </a:pathLst>
-          </a:custGeom>
-          <a:noFill/>
-          <a:ln w="12700" cap="flat" cmpd="sng">
-            <a:solidFill>
-              <a:srgbClr val="000000"/>
-            </a:solidFill>
-            <a:prstDash val="solid"/>
-            <a:round/>
-            <a:headEnd type="none" w="sm" len="sm"/>
-            <a:tailEnd type="none" w="sm" len="sm"/>
-          </a:ln>
-        </p:spPr>
-      </p:sp>
-      <p:sp>
-        <p:nvSpPr>
-          <p:cNvPr id="45" name="Google Shape;45;p2:notes"/>
-          <p:cNvSpPr txBox="1">
-            <a:spLocks noGrp="1"/>
-          </p:cNvSpPr>
-          <p:nvPr>
-            <p:ph type="body" idx="1"/>
-          </p:nvPr>
-        </p:nvSpPr>
-        <p:spPr>
-          <a:xfrm>
-            <a:off x="680720" y="4721186"/>
-            <a:ext cx="5445900" cy="4472700"/>
-          </a:xfrm>
-          <a:prstGeom prst="rect">
-            <a:avLst/>
-          </a:prstGeom>
-          <a:noFill/>
-          <a:ln>
-            <a:noFill/>
-          </a:ln>
-        </p:spPr>
-        <p:txBody>
-          <a:bodyPr spcFirstLastPara="1" wrap="square" lIns="91425" tIns="45700" rIns="91425" bIns="45700" anchor="t" anchorCtr="0">
-            <a:noAutofit/>
-          </a:bodyPr>
-          <a:lstStyle/>
-          <a:p>
-            <a:pPr marL="0" lvl="0" indent="0" algn="l" rtl="0">
-              <a:lnSpc>
-                <a:spcPct val="100000"/>
-              </a:lnSpc>
-              <a:spcBef>
-                <a:spcPts val="0"/>
-              </a:spcBef>
-              <a:spcAft>
-                <a:spcPts val="0"/>
-              </a:spcAft>
-              <a:buSzPts val="1400"/>
-              <a:buNone/>
-            </a:pPr>
-            <a:endParaRPr/>
-          </a:p>
-        </p:txBody>
-      </p:sp>
-      <p:sp>
-        <p:nvSpPr>
-          <p:cNvPr id="46" name="Google Shape;46;p2:notes"/>
-          <p:cNvSpPr txBox="1">
-            <a:spLocks noGrp="1"/>
-          </p:cNvSpPr>
-          <p:nvPr>
-            <p:ph type="sldNum" idx="12"/>
-          </p:nvPr>
-        </p:nvSpPr>
-        <p:spPr>
-          <a:xfrm>
-            <a:off x="3855838" y="9440646"/>
-            <a:ext cx="2949900" cy="497100"/>
-          </a:xfrm>
-          <a:prstGeom prst="rect">
-            <a:avLst/>
-          </a:prstGeom>
-          <a:noFill/>
-          <a:ln>
-            <a:noFill/>
-          </a:ln>
-        </p:spPr>
-        <p:txBody>
-          <a:bodyPr spcFirstLastPara="1" wrap="square" lIns="91425" tIns="45700" rIns="91425" bIns="45700" anchor="b" anchorCtr="0">
-            <a:noAutofit/>
-          </a:bodyPr>
-          <a:lstStyle/>
-          <a:p>
-            <a:pPr marL="0" lvl="0" indent="0" algn="r" rtl="0">
-              <a:lnSpc>
-                <a:spcPct val="100000"/>
-              </a:lnSpc>
-              <a:spcBef>
-                <a:spcPts val="0"/>
-              </a:spcBef>
-              <a:spcAft>
-                <a:spcPts val="0"/>
-              </a:spcAft>
-              <a:buClr>
-                <a:srgbClr val="000000"/>
-              </a:buClr>
-              <a:buSzPts val="1200"/>
-              <a:buFont typeface="Arial"/>
-              <a:buNone/>
-            </a:pPr>
-            <a:fld id="{00000000-1234-1234-1234-123412341234}" type="slidenum">
-              <a:rPr lang="en-US" altLang="ja-JP"/>
-              <a:t>2</a:t>
-            </a:fld>
-            <a:endParaRPr/>
-          </a:p>
-        </p:txBody>
-      </p:sp>
-    </p:spTree>
-  </p:cSld>
-  <p:clrMapOvr>
-    <a:masterClrMapping/>
-  </p:clrMapOvr>
-</p:notes>
-</file>
-
-<file path=ppt/notesSlides/notesSlide20.xml><?xml version="1.0" encoding="utf-8"?>
+<file path=ppt/notesSlides/notesSlide21.xml><?xml version="1.0" encoding="utf-8"?>
 <p:notes xmlns:a="http://schemas.openxmlformats.org/drawingml/2006/main" xmlns:r="http://schemas.openxmlformats.org/officeDocument/2006/relationships" xmlns:p="http://schemas.openxmlformats.org/presentationml/2006/main" showMasterSp="0" showMasterPhAnim="0">
   <p:cSld>
     <p:spTree>
@@ -3402,7 +3494,7 @@
         <p:spPr>
           <a:xfrm>
             <a:off x="92075" y="746125"/>
-            <a:ext cx="6623100" cy="3726000"/>
+            <a:ext cx="6623050" cy="3725863"/>
           </a:xfrm>
           <a:custGeom>
             <a:avLst/>
@@ -3448,7 +3540,7 @@
 </p:notes>
 </file>
 
-<file path=ppt/notesSlides/notesSlide21.xml><?xml version="1.0" encoding="utf-8"?>
+<file path=ppt/notesSlides/notesSlide22.xml><?xml version="1.0" encoding="utf-8"?>
 <p:notes xmlns:a="http://schemas.openxmlformats.org/drawingml/2006/main" xmlns:r="http://schemas.openxmlformats.org/officeDocument/2006/relationships" xmlns:p="http://schemas.openxmlformats.org/presentationml/2006/main" showMasterSp="0" showMasterPhAnim="0">
   <p:cSld>
     <p:spTree>
@@ -3570,7 +3662,7 @@
 </p:notes>
 </file>
 
-<file path=ppt/notesSlides/notesSlide22.xml><?xml version="1.0" encoding="utf-8"?>
+<file path=ppt/notesSlides/notesSlide23.xml><?xml version="1.0" encoding="utf-8"?>
 <p:notes xmlns:a="http://schemas.openxmlformats.org/drawingml/2006/main" xmlns:r="http://schemas.openxmlformats.org/officeDocument/2006/relationships" xmlns:p="http://schemas.openxmlformats.org/presentationml/2006/main" showMasterSp="0" showMasterPhAnim="0">
   <p:cSld>
     <p:spTree>
@@ -3692,7 +3784,7 @@
 </p:notes>
 </file>
 
-<file path=ppt/notesSlides/notesSlide23.xml><?xml version="1.0" encoding="utf-8"?>
+<file path=ppt/notesSlides/notesSlide24.xml><?xml version="1.0" encoding="utf-8"?>
 <p:notes xmlns:a="http://schemas.openxmlformats.org/drawingml/2006/main" xmlns:r="http://schemas.openxmlformats.org/officeDocument/2006/relationships" xmlns:p="http://schemas.openxmlformats.org/presentationml/2006/main" showMasterSp="0" showMasterPhAnim="0">
   <p:cSld>
     <p:spTree>
@@ -3814,7 +3906,7 @@
 </p:notes>
 </file>
 
-<file path=ppt/notesSlides/notesSlide24.xml><?xml version="1.0" encoding="utf-8"?>
+<file path=ppt/notesSlides/notesSlide25.xml><?xml version="1.0" encoding="utf-8"?>
 <p:notes xmlns:a="http://schemas.openxmlformats.org/drawingml/2006/main" xmlns:r="http://schemas.openxmlformats.org/officeDocument/2006/relationships" xmlns:p="http://schemas.openxmlformats.org/presentationml/2006/main" showMasterSp="0" showMasterPhAnim="0">
   <p:cSld>
     <p:spTree>
@@ -3936,7 +4028,7 @@
 </p:notes>
 </file>
 
-<file path=ppt/notesSlides/notesSlide25.xml><?xml version="1.0" encoding="utf-8"?>
+<file path=ppt/notesSlides/notesSlide26.xml><?xml version="1.0" encoding="utf-8"?>
 <p:notes xmlns:a="http://schemas.openxmlformats.org/drawingml/2006/main" xmlns:r="http://schemas.openxmlformats.org/officeDocument/2006/relationships" xmlns:p="http://schemas.openxmlformats.org/presentationml/2006/main" showMasterSp="0" showMasterPhAnim="0">
   <p:cSld>
     <p:spTree>
@@ -4058,7 +4150,7 @@
 </p:notes>
 </file>
 
-<file path=ppt/notesSlides/notesSlide26.xml><?xml version="1.0" encoding="utf-8"?>
+<file path=ppt/notesSlides/notesSlide27.xml><?xml version="1.0" encoding="utf-8"?>
 <p:notes xmlns:a="http://schemas.openxmlformats.org/drawingml/2006/main" xmlns:r="http://schemas.openxmlformats.org/officeDocument/2006/relationships" xmlns:p="http://schemas.openxmlformats.org/presentationml/2006/main" showMasterSp="0" showMasterPhAnim="0">
   <p:cSld>
     <p:spTree>
@@ -4203,7 +4295,7 @@
 </p:notes>
 </file>
 
-<file path=ppt/notesSlides/notesSlide27.xml><?xml version="1.0" encoding="utf-8"?>
+<file path=ppt/notesSlides/notesSlide28.xml><?xml version="1.0" encoding="utf-8"?>
 <p:notes xmlns:a="http://schemas.openxmlformats.org/drawingml/2006/main" xmlns:r="http://schemas.openxmlformats.org/officeDocument/2006/relationships" xmlns:p="http://schemas.openxmlformats.org/presentationml/2006/main" showMasterSp="0" showMasterPhAnim="0">
   <p:cSld>
     <p:spTree>
@@ -4361,7 +4453,7 @@
             </a:pPr>
             <a:fld id="{00000000-1234-1234-1234-123412341234}" type="slidenum">
               <a:rPr lang="en-US" altLang="ja-JP"/>
-              <a:t>27</a:t>
+              <a:t>28</a:t>
             </a:fld>
             <a:endParaRPr/>
           </a:p>
@@ -4376,6 +4468,182 @@
 </file>
 
 <file path=ppt/notesSlides/notesSlide3.xml><?xml version="1.0" encoding="utf-8"?>
+<p:notes xmlns:a="http://schemas.openxmlformats.org/drawingml/2006/main" xmlns:r="http://schemas.openxmlformats.org/officeDocument/2006/relationships" xmlns:p="http://schemas.openxmlformats.org/presentationml/2006/main" showMasterSp="0" showMasterPhAnim="0">
+  <p:cSld>
+    <p:spTree>
+      <p:nvGrpSpPr>
+        <p:cNvPr id="1" name="Shape 43"/>
+        <p:cNvGrpSpPr/>
+        <p:nvPr/>
+      </p:nvGrpSpPr>
+      <p:grpSpPr>
+        <a:xfrm>
+          <a:off x="0" y="0"/>
+          <a:ext cx="0" cy="0"/>
+          <a:chOff x="0" y="0"/>
+          <a:chExt cx="0" cy="0"/>
+        </a:xfrm>
+      </p:grpSpPr>
+      <p:sp>
+        <p:nvSpPr>
+          <p:cNvPr id="44" name="Google Shape;44;p2:notes"/>
+          <p:cNvSpPr>
+            <a:spLocks noGrp="1" noRot="1" noChangeAspect="1"/>
+          </p:cNvSpPr>
+          <p:nvPr>
+            <p:ph type="sldImg" idx="2"/>
+          </p:nvPr>
+        </p:nvSpPr>
+        <p:spPr>
+          <a:xfrm>
+            <a:off x="92075" y="746125"/>
+            <a:ext cx="6623050" cy="3725863"/>
+          </a:xfrm>
+          <a:custGeom>
+            <a:avLst/>
+            <a:gdLst/>
+            <a:ahLst/>
+            <a:cxnLst/>
+            <a:rect l="l" t="t" r="r" b="b"/>
+            <a:pathLst>
+              <a:path w="120000" h="120000" extrusionOk="0">
+                <a:moveTo>
+                  <a:pt x="0" y="0"/>
+                </a:moveTo>
+                <a:lnTo>
+                  <a:pt x="120000" y="0"/>
+                </a:lnTo>
+                <a:lnTo>
+                  <a:pt x="120000" y="120000"/>
+                </a:lnTo>
+                <a:lnTo>
+                  <a:pt x="0" y="120000"/>
+                </a:lnTo>
+                <a:close/>
+              </a:path>
+            </a:pathLst>
+          </a:custGeom>
+          <a:noFill/>
+          <a:ln w="12700" cap="flat" cmpd="sng">
+            <a:solidFill>
+              <a:srgbClr val="000000"/>
+            </a:solidFill>
+            <a:prstDash val="solid"/>
+            <a:round/>
+            <a:headEnd type="none" w="sm" len="sm"/>
+            <a:tailEnd type="none" w="sm" len="sm"/>
+          </a:ln>
+        </p:spPr>
+      </p:sp>
+      <p:sp>
+        <p:nvSpPr>
+          <p:cNvPr id="45" name="Google Shape;45;p2:notes"/>
+          <p:cNvSpPr txBox="1">
+            <a:spLocks noGrp="1"/>
+          </p:cNvSpPr>
+          <p:nvPr>
+            <p:ph type="body" idx="1"/>
+          </p:nvPr>
+        </p:nvSpPr>
+        <p:spPr>
+          <a:xfrm>
+            <a:off x="680720" y="4721186"/>
+            <a:ext cx="5445900" cy="4472700"/>
+          </a:xfrm>
+          <a:prstGeom prst="rect">
+            <a:avLst/>
+          </a:prstGeom>
+          <a:noFill/>
+          <a:ln>
+            <a:noFill/>
+          </a:ln>
+        </p:spPr>
+        <p:txBody>
+          <a:bodyPr spcFirstLastPara="1" wrap="square" lIns="91425" tIns="45700" rIns="91425" bIns="45700" anchor="t" anchorCtr="0">
+            <a:noAutofit/>
+          </a:bodyPr>
+          <a:lstStyle/>
+          <a:p>
+            <a:pPr marL="0" lvl="0" indent="0" algn="l" rtl="0">
+              <a:lnSpc>
+                <a:spcPct val="100000"/>
+              </a:lnSpc>
+              <a:spcBef>
+                <a:spcPts val="0"/>
+              </a:spcBef>
+              <a:spcAft>
+                <a:spcPts val="0"/>
+              </a:spcAft>
+              <a:buSzPts val="1400"/>
+              <a:buNone/>
+            </a:pPr>
+            <a:endParaRPr/>
+          </a:p>
+        </p:txBody>
+      </p:sp>
+      <p:sp>
+        <p:nvSpPr>
+          <p:cNvPr id="46" name="Google Shape;46;p2:notes"/>
+          <p:cNvSpPr txBox="1">
+            <a:spLocks noGrp="1"/>
+          </p:cNvSpPr>
+          <p:nvPr>
+            <p:ph type="sldNum" idx="12"/>
+          </p:nvPr>
+        </p:nvSpPr>
+        <p:spPr>
+          <a:xfrm>
+            <a:off x="3855838" y="9440646"/>
+            <a:ext cx="2949900" cy="497100"/>
+          </a:xfrm>
+          <a:prstGeom prst="rect">
+            <a:avLst/>
+          </a:prstGeom>
+          <a:noFill/>
+          <a:ln>
+            <a:noFill/>
+          </a:ln>
+        </p:spPr>
+        <p:txBody>
+          <a:bodyPr spcFirstLastPara="1" wrap="square" lIns="91425" tIns="45700" rIns="91425" bIns="45700" anchor="b" anchorCtr="0">
+            <a:noAutofit/>
+          </a:bodyPr>
+          <a:lstStyle/>
+          <a:p>
+            <a:pPr marL="0" lvl="0" indent="0" algn="r" rtl="0">
+              <a:lnSpc>
+                <a:spcPct val="100000"/>
+              </a:lnSpc>
+              <a:spcBef>
+                <a:spcPts val="0"/>
+              </a:spcBef>
+              <a:spcAft>
+                <a:spcPts val="0"/>
+              </a:spcAft>
+              <a:buClr>
+                <a:srgbClr val="000000"/>
+              </a:buClr>
+              <a:buSzPts val="1200"/>
+              <a:buFont typeface="Arial"/>
+              <a:buNone/>
+            </a:pPr>
+            <a:fld id="{00000000-1234-1234-1234-123412341234}" type="slidenum">
+              <a:rPr lang="en-US" altLang="ja-JP"/>
+              <a:t>3</a:t>
+            </a:fld>
+            <a:endParaRPr/>
+          </a:p>
+        </p:txBody>
+      </p:sp>
+    </p:spTree>
+  </p:cSld>
+  <p:clrMapOvr>
+    <a:masterClrMapping/>
+  </p:clrMapOvr>
+</p:notes>
+</file>
+
+<file path=ppt/notesSlides/notesSlide4.xml><?xml version="1.0" encoding="utf-8"?>
 <p:notes xmlns:a="http://schemas.openxmlformats.org/drawingml/2006/main" xmlns:r="http://schemas.openxmlformats.org/officeDocument/2006/relationships" xmlns:p="http://schemas.openxmlformats.org/presentationml/2006/main" showMasterSp="0" showMasterPhAnim="0">
   <p:cSld>
     <p:spTree>
@@ -4405,7 +4673,7 @@
         <p:spPr>
           <a:xfrm>
             <a:off x="92075" y="746125"/>
-            <a:ext cx="6623100" cy="3726000"/>
+            <a:ext cx="6623050" cy="3725863"/>
           </a:xfrm>
           <a:custGeom>
             <a:avLst/>
@@ -4537,7 +4805,7 @@
             </a:pPr>
             <a:fld id="{00000000-1234-1234-1234-123412341234}" type="slidenum">
               <a:rPr lang="en-US" altLang="ja-JP"/>
-              <a:t>3</a:t>
+              <a:t>4</a:t>
             </a:fld>
             <a:endParaRPr/>
           </a:p>
@@ -4551,7 +4819,7 @@
 </p:notes>
 </file>
 
-<file path=ppt/notesSlides/notesSlide4.xml><?xml version="1.0" encoding="utf-8"?>
+<file path=ppt/notesSlides/notesSlide5.xml><?xml version="1.0" encoding="utf-8"?>
 <p:notes xmlns:a="http://schemas.openxmlformats.org/drawingml/2006/main" xmlns:r="http://schemas.openxmlformats.org/officeDocument/2006/relationships" xmlns:p="http://schemas.openxmlformats.org/presentationml/2006/main" showMasterSp="0" showMasterPhAnim="0">
   <p:cSld>
     <p:spTree>
@@ -4581,7 +4849,7 @@
         <p:spPr>
           <a:xfrm>
             <a:off x="92075" y="746125"/>
-            <a:ext cx="6623100" cy="3726000"/>
+            <a:ext cx="6623050" cy="3725863"/>
           </a:xfrm>
           <a:custGeom>
             <a:avLst/>
@@ -4713,7 +4981,7 @@
             </a:pPr>
             <a:fld id="{00000000-1234-1234-1234-123412341234}" type="slidenum">
               <a:rPr lang="en-US" altLang="ja-JP"/>
-              <a:t>4</a:t>
+              <a:t>5</a:t>
             </a:fld>
             <a:endParaRPr/>
           </a:p>
@@ -4727,7 +4995,7 @@
 </p:notes>
 </file>
 
-<file path=ppt/notesSlides/notesSlide5.xml><?xml version="1.0" encoding="utf-8"?>
+<file path=ppt/notesSlides/notesSlide6.xml><?xml version="1.0" encoding="utf-8"?>
 <p:notes xmlns:a="http://schemas.openxmlformats.org/drawingml/2006/main" xmlns:r="http://schemas.openxmlformats.org/officeDocument/2006/relationships" xmlns:p="http://schemas.openxmlformats.org/presentationml/2006/main" showMasterSp="0" showMasterPhAnim="0">
   <p:cSld>
     <p:spTree>
@@ -4803,7 +5071,7 @@
         <p:spPr>
           <a:xfrm>
             <a:off x="92075" y="746125"/>
-            <a:ext cx="6623100" cy="3726000"/>
+            <a:ext cx="6623050" cy="3725863"/>
           </a:xfrm>
           <a:custGeom>
             <a:avLst/>
@@ -4849,7 +5117,7 @@
 </p:notes>
 </file>
 
-<file path=ppt/notesSlides/notesSlide6.xml><?xml version="1.0" encoding="utf-8"?>
+<file path=ppt/notesSlides/notesSlide7.xml><?xml version="1.0" encoding="utf-8"?>
 <p:notes xmlns:a="http://schemas.openxmlformats.org/drawingml/2006/main" xmlns:r="http://schemas.openxmlformats.org/officeDocument/2006/relationships" xmlns:p="http://schemas.openxmlformats.org/presentationml/2006/main" showMasterSp="0" showMasterPhAnim="0">
   <p:cSld>
     <p:spTree>
@@ -4971,7 +5239,7 @@
 </p:notes>
 </file>
 
-<file path=ppt/notesSlides/notesSlide7.xml><?xml version="1.0" encoding="utf-8"?>
+<file path=ppt/notesSlides/notesSlide8.xml><?xml version="1.0" encoding="utf-8"?>
 <p:notes xmlns:a="http://schemas.openxmlformats.org/drawingml/2006/main" xmlns:r="http://schemas.openxmlformats.org/officeDocument/2006/relationships" xmlns:p="http://schemas.openxmlformats.org/presentationml/2006/main" showMasterSp="0" showMasterPhAnim="0">
   <p:cSld>
     <p:spTree>
@@ -5047,7 +5315,7 @@
         <p:spPr>
           <a:xfrm>
             <a:off x="92075" y="746125"/>
-            <a:ext cx="6623100" cy="3726000"/>
+            <a:ext cx="6623050" cy="3725863"/>
           </a:xfrm>
           <a:custGeom>
             <a:avLst/>
@@ -5093,7 +5361,7 @@
 </p:notes>
 </file>
 
-<file path=ppt/notesSlides/notesSlide8.xml><?xml version="1.0" encoding="utf-8"?>
+<file path=ppt/notesSlides/notesSlide9.xml><?xml version="1.0" encoding="utf-8"?>
 <p:notes xmlns:a="http://schemas.openxmlformats.org/drawingml/2006/main" xmlns:r="http://schemas.openxmlformats.org/officeDocument/2006/relationships" xmlns:p="http://schemas.openxmlformats.org/presentationml/2006/main" showMasterSp="0" showMasterPhAnim="0">
   <p:cSld>
     <p:spTree>
@@ -5169,129 +5437,7 @@
         <p:spPr>
           <a:xfrm>
             <a:off x="92075" y="746125"/>
-            <a:ext cx="6623100" cy="3726000"/>
-          </a:xfrm>
-          <a:custGeom>
-            <a:avLst/>
-            <a:gdLst/>
-            <a:ahLst/>
-            <a:cxnLst/>
-            <a:rect l="l" t="t" r="r" b="b"/>
-            <a:pathLst>
-              <a:path w="120000" h="120000" extrusionOk="0">
-                <a:moveTo>
-                  <a:pt x="0" y="0"/>
-                </a:moveTo>
-                <a:lnTo>
-                  <a:pt x="120000" y="0"/>
-                </a:lnTo>
-                <a:lnTo>
-                  <a:pt x="120000" y="120000"/>
-                </a:lnTo>
-                <a:lnTo>
-                  <a:pt x="0" y="120000"/>
-                </a:lnTo>
-                <a:close/>
-              </a:path>
-            </a:pathLst>
-          </a:custGeom>
-          <a:noFill/>
-          <a:ln w="12700" cap="flat" cmpd="sng">
-            <a:solidFill>
-              <a:srgbClr val="000000"/>
-            </a:solidFill>
-            <a:prstDash val="solid"/>
-            <a:round/>
-            <a:headEnd type="none" w="sm" len="sm"/>
-            <a:tailEnd type="none" w="sm" len="sm"/>
-          </a:ln>
-        </p:spPr>
-      </p:sp>
-    </p:spTree>
-  </p:cSld>
-  <p:clrMapOvr>
-    <a:masterClrMapping/>
-  </p:clrMapOvr>
-</p:notes>
-</file>
-
-<file path=ppt/notesSlides/notesSlide9.xml><?xml version="1.0" encoding="utf-8"?>
-<p:notes xmlns:a="http://schemas.openxmlformats.org/drawingml/2006/main" xmlns:r="http://schemas.openxmlformats.org/officeDocument/2006/relationships" xmlns:p="http://schemas.openxmlformats.org/presentationml/2006/main" showMasterSp="0" showMasterPhAnim="0">
-  <p:cSld>
-    <p:spTree>
-      <p:nvGrpSpPr>
-        <p:cNvPr id="1" name="Shape 116"/>
-        <p:cNvGrpSpPr/>
-        <p:nvPr/>
-      </p:nvGrpSpPr>
-      <p:grpSpPr>
-        <a:xfrm>
-          <a:off x="0" y="0"/>
-          <a:ext cx="0" cy="0"/>
-          <a:chOff x="0" y="0"/>
-          <a:chExt cx="0" cy="0"/>
-        </a:xfrm>
-      </p:grpSpPr>
-      <p:sp>
-        <p:nvSpPr>
-          <p:cNvPr id="117" name="Google Shape;117;p9:notes"/>
-          <p:cNvSpPr txBox="1">
-            <a:spLocks noGrp="1"/>
-          </p:cNvSpPr>
-          <p:nvPr>
-            <p:ph type="body" idx="1"/>
-          </p:nvPr>
-        </p:nvSpPr>
-        <p:spPr>
-          <a:xfrm>
-            <a:off x="680720" y="4721186"/>
-            <a:ext cx="5445900" cy="4472700"/>
-          </a:xfrm>
-          <a:prstGeom prst="rect">
-            <a:avLst/>
-          </a:prstGeom>
-          <a:noFill/>
-          <a:ln>
-            <a:noFill/>
-          </a:ln>
-        </p:spPr>
-        <p:txBody>
-          <a:bodyPr spcFirstLastPara="1" wrap="square" lIns="91425" tIns="45700" rIns="91425" bIns="45700" anchor="t" anchorCtr="0">
-            <a:noAutofit/>
-          </a:bodyPr>
-          <a:lstStyle/>
-          <a:p>
-            <a:pPr marL="0" lvl="0" indent="0" algn="l" rtl="0">
-              <a:lnSpc>
-                <a:spcPct val="100000"/>
-              </a:lnSpc>
-              <a:spcBef>
-                <a:spcPts val="0"/>
-              </a:spcBef>
-              <a:spcAft>
-                <a:spcPts val="0"/>
-              </a:spcAft>
-              <a:buSzPts val="1400"/>
-              <a:buNone/>
-            </a:pPr>
-            <a:endParaRPr/>
-          </a:p>
-        </p:txBody>
-      </p:sp>
-      <p:sp>
-        <p:nvSpPr>
-          <p:cNvPr id="118" name="Google Shape;118;p9:notes"/>
-          <p:cNvSpPr>
-            <a:spLocks noGrp="1" noRot="1" noChangeAspect="1"/>
-          </p:cNvSpPr>
-          <p:nvPr>
-            <p:ph type="sldImg" idx="2"/>
-          </p:nvPr>
-        </p:nvSpPr>
-        <p:spPr>
-          <a:xfrm>
-            <a:off x="92075" y="746125"/>
-            <a:ext cx="6623100" cy="3726000"/>
+            <a:ext cx="6623050" cy="3725863"/>
           </a:xfrm>
           <a:custGeom>
             <a:avLst/>
@@ -10068,6 +10214,1067 @@
   <p:cSld>
     <p:spTree>
       <p:nvGrpSpPr>
+        <p:cNvPr id="1" name="Shape 119"/>
+        <p:cNvGrpSpPr/>
+        <p:nvPr/>
+      </p:nvGrpSpPr>
+      <p:grpSpPr>
+        <a:xfrm>
+          <a:off x="0" y="0"/>
+          <a:ext cx="0" cy="0"/>
+          <a:chOff x="0" y="0"/>
+          <a:chExt cx="0" cy="0"/>
+        </a:xfrm>
+      </p:grpSpPr>
+      <p:sp>
+        <p:nvSpPr>
+          <p:cNvPr id="120" name="Google Shape;120;p9"/>
+          <p:cNvSpPr txBox="1">
+            <a:spLocks noGrp="1"/>
+          </p:cNvSpPr>
+          <p:nvPr>
+            <p:ph type="title"/>
+          </p:nvPr>
+        </p:nvSpPr>
+        <p:spPr>
+          <a:xfrm>
+            <a:off x="374848" y="250430"/>
+            <a:ext cx="8229600" cy="462900"/>
+          </a:xfrm>
+          <a:prstGeom prst="rect">
+            <a:avLst/>
+          </a:prstGeom>
+          <a:noFill/>
+          <a:ln>
+            <a:noFill/>
+          </a:ln>
+        </p:spPr>
+        <p:txBody>
+          <a:bodyPr spcFirstLastPara="1" wrap="square" lIns="91425" tIns="45700" rIns="91425" bIns="45700" anchor="ctr" anchorCtr="0">
+            <a:noAutofit/>
+          </a:bodyPr>
+          <a:lstStyle/>
+          <a:p>
+            <a:pPr marL="0" lvl="0" indent="0" algn="l" rtl="0">
+              <a:lnSpc>
+                <a:spcPct val="100000"/>
+              </a:lnSpc>
+              <a:spcBef>
+                <a:spcPts val="0"/>
+              </a:spcBef>
+              <a:spcAft>
+                <a:spcPts val="0"/>
+              </a:spcAft>
+              <a:buSzPts val="3200"/>
+              <a:buNone/>
+            </a:pPr>
+            <a:r>
+              <a:rPr lang="ja-JP">
+                <a:latin typeface="Calibri"/>
+                <a:ea typeface="Calibri"/>
+                <a:cs typeface="Calibri"/>
+                <a:sym typeface="Calibri"/>
+              </a:rPr>
+              <a:t>3.ブラウザがそのデータを(いい感じに整えて)、画面に表示する</a:t>
+            </a:r>
+            <a:endParaRPr/>
+          </a:p>
+        </p:txBody>
+      </p:sp>
+      <p:sp>
+        <p:nvSpPr>
+          <p:cNvPr id="121" name="Google Shape;121;p9"/>
+          <p:cNvSpPr txBox="1">
+            <a:spLocks noGrp="1"/>
+          </p:cNvSpPr>
+          <p:nvPr>
+            <p:ph type="sldNum" idx="12"/>
+          </p:nvPr>
+        </p:nvSpPr>
+        <p:spPr>
+          <a:xfrm>
+            <a:off x="6902896" y="4836189"/>
+            <a:ext cx="2133600" cy="273900"/>
+          </a:xfrm>
+          <a:prstGeom prst="rect">
+            <a:avLst/>
+          </a:prstGeom>
+          <a:noFill/>
+          <a:ln>
+            <a:noFill/>
+          </a:ln>
+        </p:spPr>
+        <p:txBody>
+          <a:bodyPr spcFirstLastPara="1" wrap="square" lIns="91425" tIns="45700" rIns="91425" bIns="45700" anchor="ctr" anchorCtr="0">
+            <a:noAutofit/>
+          </a:bodyPr>
+          <a:lstStyle/>
+          <a:p>
+            <a:pPr marL="0" lvl="0" indent="0" algn="r" rtl="0">
+              <a:lnSpc>
+                <a:spcPct val="100000"/>
+              </a:lnSpc>
+              <a:spcBef>
+                <a:spcPts val="0"/>
+              </a:spcBef>
+              <a:spcAft>
+                <a:spcPts val="0"/>
+              </a:spcAft>
+              <a:buSzPts val="1100"/>
+              <a:buNone/>
+            </a:pPr>
+            <a:fld id="{00000000-1234-1234-1234-123412341234}" type="slidenum">
+              <a:rPr lang="en-US" altLang="ja-JP"/>
+              <a:t>10</a:t>
+            </a:fld>
+            <a:endParaRPr/>
+          </a:p>
+        </p:txBody>
+      </p:sp>
+      <p:sp>
+        <p:nvSpPr>
+          <p:cNvPr id="122" name="Google Shape;122;p9"/>
+          <p:cNvSpPr txBox="1">
+            <a:spLocks noGrp="1"/>
+          </p:cNvSpPr>
+          <p:nvPr>
+            <p:ph type="ftr" idx="11"/>
+          </p:nvPr>
+        </p:nvSpPr>
+        <p:spPr>
+          <a:xfrm>
+            <a:off x="3124200" y="4836189"/>
+            <a:ext cx="2895600" cy="273900"/>
+          </a:xfrm>
+          <a:prstGeom prst="rect">
+            <a:avLst/>
+          </a:prstGeom>
+          <a:noFill/>
+          <a:ln>
+            <a:noFill/>
+          </a:ln>
+        </p:spPr>
+        <p:txBody>
+          <a:bodyPr spcFirstLastPara="1" wrap="square" lIns="91425" tIns="45700" rIns="91425" bIns="45700" anchor="ctr" anchorCtr="0">
+            <a:noAutofit/>
+          </a:bodyPr>
+          <a:lstStyle/>
+          <a:p>
+            <a:pPr marL="0" lvl="0" indent="0" algn="ctr" rtl="0">
+              <a:lnSpc>
+                <a:spcPct val="100000"/>
+              </a:lnSpc>
+              <a:spcBef>
+                <a:spcPts val="0"/>
+              </a:spcBef>
+              <a:spcAft>
+                <a:spcPts val="0"/>
+              </a:spcAft>
+              <a:buSzPts val="1400"/>
+              <a:buNone/>
+            </a:pPr>
+            <a:r>
+              <a:rPr lang="ja-JP"/>
+              <a:t>Copyright © UNIRITA Inc. All rights reserved.</a:t>
+            </a:r>
+            <a:endParaRPr/>
+          </a:p>
+        </p:txBody>
+      </p:sp>
+      <p:pic>
+        <p:nvPicPr>
+          <p:cNvPr id="123" name="Google Shape;123;p9"/>
+          <p:cNvPicPr preferRelativeResize="0"/>
+          <p:nvPr/>
+        </p:nvPicPr>
+        <p:blipFill rotWithShape="1">
+          <a:blip r:embed="rId3">
+            <a:alphaModFix/>
+          </a:blip>
+          <a:srcRect/>
+          <a:stretch/>
+        </p:blipFill>
+        <p:spPr>
+          <a:xfrm>
+            <a:off x="446650" y="1215750"/>
+            <a:ext cx="2438400" cy="2438400"/>
+          </a:xfrm>
+          <a:prstGeom prst="rect">
+            <a:avLst/>
+          </a:prstGeom>
+          <a:noFill/>
+          <a:ln>
+            <a:noFill/>
+          </a:ln>
+        </p:spPr>
+      </p:pic>
+      <p:pic>
+        <p:nvPicPr>
+          <p:cNvPr id="124" name="Google Shape;124;p9"/>
+          <p:cNvPicPr preferRelativeResize="0"/>
+          <p:nvPr/>
+        </p:nvPicPr>
+        <p:blipFill rotWithShape="1">
+          <a:blip r:embed="rId4">
+            <a:alphaModFix/>
+          </a:blip>
+          <a:srcRect/>
+          <a:stretch/>
+        </p:blipFill>
+        <p:spPr>
+          <a:xfrm>
+            <a:off x="5140300" y="1200142"/>
+            <a:ext cx="2438400" cy="2438400"/>
+          </a:xfrm>
+          <a:prstGeom prst="rect">
+            <a:avLst/>
+          </a:prstGeom>
+          <a:noFill/>
+          <a:ln>
+            <a:noFill/>
+          </a:ln>
+        </p:spPr>
+      </p:pic>
+      <p:sp>
+        <p:nvSpPr>
+          <p:cNvPr id="125" name="Google Shape;125;p9"/>
+          <p:cNvSpPr/>
+          <p:nvPr/>
+        </p:nvSpPr>
+        <p:spPr>
+          <a:xfrm>
+            <a:off x="3126275" y="1159525"/>
+            <a:ext cx="1958400" cy="733200"/>
+          </a:xfrm>
+          <a:prstGeom prst="rightArrow">
+            <a:avLst>
+              <a:gd name="adj1" fmla="val 50000"/>
+              <a:gd name="adj2" fmla="val 50000"/>
+            </a:avLst>
+          </a:prstGeom>
+          <a:solidFill>
+            <a:schemeClr val="accent1"/>
+          </a:solidFill>
+          <a:ln w="9525" cap="flat" cmpd="sng">
+            <a:solidFill>
+              <a:schemeClr val="dk2"/>
+            </a:solidFill>
+            <a:prstDash val="solid"/>
+            <a:round/>
+            <a:headEnd type="none" w="sm" len="sm"/>
+            <a:tailEnd type="none" w="sm" len="sm"/>
+          </a:ln>
+        </p:spPr>
+        <p:txBody>
+          <a:bodyPr spcFirstLastPara="1" wrap="square" lIns="91425" tIns="91425" rIns="91425" bIns="91425" anchor="ctr" anchorCtr="0">
+            <a:noAutofit/>
+          </a:bodyPr>
+          <a:lstStyle/>
+          <a:p>
+            <a:pPr marL="0" marR="0" lvl="0" indent="0" algn="ctr" rtl="0">
+              <a:lnSpc>
+                <a:spcPct val="100000"/>
+              </a:lnSpc>
+              <a:spcBef>
+                <a:spcPts val="0"/>
+              </a:spcBef>
+              <a:spcAft>
+                <a:spcPts val="0"/>
+              </a:spcAft>
+              <a:buClr>
+                <a:srgbClr val="000000"/>
+              </a:buClr>
+              <a:buSzPts val="1400"/>
+              <a:buFont typeface="Arial"/>
+              <a:buNone/>
+            </a:pPr>
+            <a:r>
+              <a:rPr lang="ja-JP" sz="1400" b="0" i="0" u="none" strike="noStrike" cap="none">
+                <a:solidFill>
+                  <a:srgbClr val="000000"/>
+                </a:solidFill>
+                <a:latin typeface="Calibri"/>
+                <a:ea typeface="Calibri"/>
+                <a:cs typeface="Calibri"/>
+                <a:sym typeface="Calibri"/>
+              </a:rPr>
+              <a:t>リクエスト</a:t>
+            </a:r>
+            <a:endParaRPr sz="1400" b="0" i="0" u="none" strike="noStrike" cap="none">
+              <a:solidFill>
+                <a:srgbClr val="000000"/>
+              </a:solidFill>
+              <a:latin typeface="Calibri"/>
+              <a:ea typeface="Calibri"/>
+              <a:cs typeface="Calibri"/>
+              <a:sym typeface="Calibri"/>
+            </a:endParaRPr>
+          </a:p>
+        </p:txBody>
+      </p:sp>
+      <p:sp>
+        <p:nvSpPr>
+          <p:cNvPr id="126" name="Google Shape;126;p9"/>
+          <p:cNvSpPr/>
+          <p:nvPr/>
+        </p:nvSpPr>
+        <p:spPr>
+          <a:xfrm>
+            <a:off x="2950625" y="2571750"/>
+            <a:ext cx="1714500" cy="660900"/>
+          </a:xfrm>
+          <a:prstGeom prst="leftArrow">
+            <a:avLst>
+              <a:gd name="adj1" fmla="val 50000"/>
+              <a:gd name="adj2" fmla="val 50000"/>
+            </a:avLst>
+          </a:prstGeom>
+          <a:solidFill>
+            <a:schemeClr val="accent1"/>
+          </a:solidFill>
+          <a:ln w="9525" cap="flat" cmpd="sng">
+            <a:solidFill>
+              <a:schemeClr val="dk2"/>
+            </a:solidFill>
+            <a:prstDash val="solid"/>
+            <a:round/>
+            <a:headEnd type="none" w="sm" len="sm"/>
+            <a:tailEnd type="none" w="sm" len="sm"/>
+          </a:ln>
+        </p:spPr>
+        <p:txBody>
+          <a:bodyPr spcFirstLastPara="1" wrap="square" lIns="91425" tIns="91425" rIns="91425" bIns="91425" anchor="ctr" anchorCtr="0">
+            <a:noAutofit/>
+          </a:bodyPr>
+          <a:lstStyle/>
+          <a:p>
+            <a:pPr marL="0" marR="0" lvl="0" indent="0" algn="ctr" rtl="0">
+              <a:lnSpc>
+                <a:spcPct val="100000"/>
+              </a:lnSpc>
+              <a:spcBef>
+                <a:spcPts val="0"/>
+              </a:spcBef>
+              <a:spcAft>
+                <a:spcPts val="0"/>
+              </a:spcAft>
+              <a:buClr>
+                <a:srgbClr val="000000"/>
+              </a:buClr>
+              <a:buSzPts val="1400"/>
+              <a:buFont typeface="Arial"/>
+              <a:buNone/>
+            </a:pPr>
+            <a:endParaRPr sz="1400" b="0" i="0" u="none" strike="noStrike" cap="none">
+              <a:solidFill>
+                <a:srgbClr val="000000"/>
+              </a:solidFill>
+              <a:latin typeface="Calibri"/>
+              <a:ea typeface="Calibri"/>
+              <a:cs typeface="Calibri"/>
+              <a:sym typeface="Calibri"/>
+            </a:endParaRPr>
+          </a:p>
+        </p:txBody>
+      </p:sp>
+      <p:cxnSp>
+        <p:nvCxnSpPr>
+          <p:cNvPr id="127" name="Google Shape;127;p9"/>
+          <p:cNvCxnSpPr/>
+          <p:nvPr/>
+        </p:nvCxnSpPr>
+        <p:spPr>
+          <a:xfrm>
+            <a:off x="2885050" y="2434950"/>
+            <a:ext cx="2067600" cy="0"/>
+          </a:xfrm>
+          <a:prstGeom prst="straightConnector1">
+            <a:avLst/>
+          </a:prstGeom>
+          <a:noFill/>
+          <a:ln w="9525" cap="flat" cmpd="sng">
+            <a:solidFill>
+              <a:schemeClr val="dk2"/>
+            </a:solidFill>
+            <a:prstDash val="solid"/>
+            <a:round/>
+            <a:headEnd type="triangle" w="med" len="med"/>
+            <a:tailEnd type="triangle" w="med" len="med"/>
+          </a:ln>
+        </p:spPr>
+      </p:cxnSp>
+      <p:sp>
+        <p:nvSpPr>
+          <p:cNvPr id="128" name="Google Shape;128;p9"/>
+          <p:cNvSpPr txBox="1"/>
+          <p:nvPr/>
+        </p:nvSpPr>
+        <p:spPr>
+          <a:xfrm>
+            <a:off x="3307825" y="2042600"/>
+            <a:ext cx="1264200" cy="386700"/>
+          </a:xfrm>
+          <a:prstGeom prst="rect">
+            <a:avLst/>
+          </a:prstGeom>
+          <a:noFill/>
+          <a:ln>
+            <a:noFill/>
+          </a:ln>
+        </p:spPr>
+        <p:txBody>
+          <a:bodyPr spcFirstLastPara="1" wrap="square" lIns="91425" tIns="91425" rIns="91425" bIns="91425" anchor="t" anchorCtr="0">
+            <a:noAutofit/>
+          </a:bodyPr>
+          <a:lstStyle/>
+          <a:p>
+            <a:pPr marL="0" marR="0" lvl="0" indent="0" algn="l" rtl="0">
+              <a:lnSpc>
+                <a:spcPct val="100000"/>
+              </a:lnSpc>
+              <a:spcBef>
+                <a:spcPts val="0"/>
+              </a:spcBef>
+              <a:spcAft>
+                <a:spcPts val="0"/>
+              </a:spcAft>
+              <a:buClr>
+                <a:srgbClr val="000000"/>
+              </a:buClr>
+              <a:buSzPts val="1400"/>
+              <a:buFont typeface="Arial"/>
+              <a:buNone/>
+            </a:pPr>
+            <a:r>
+              <a:rPr lang="ja-JP" sz="1400" b="0" i="0" u="none" strike="noStrike" cap="none">
+                <a:solidFill>
+                  <a:schemeClr val="dk1"/>
+                </a:solidFill>
+                <a:latin typeface="Calibri"/>
+                <a:ea typeface="Calibri"/>
+                <a:cs typeface="Calibri"/>
+                <a:sym typeface="Calibri"/>
+              </a:rPr>
+              <a:t>物理的な距離</a:t>
+            </a:r>
+            <a:endParaRPr sz="1400" b="0" i="0" u="none" strike="noStrike" cap="none">
+              <a:solidFill>
+                <a:schemeClr val="dk1"/>
+              </a:solidFill>
+              <a:latin typeface="Calibri"/>
+              <a:ea typeface="Calibri"/>
+              <a:cs typeface="Calibri"/>
+              <a:sym typeface="Calibri"/>
+            </a:endParaRPr>
+          </a:p>
+        </p:txBody>
+      </p:sp>
+      <p:sp>
+        <p:nvSpPr>
+          <p:cNvPr id="129" name="Google Shape;129;p9"/>
+          <p:cNvSpPr/>
+          <p:nvPr/>
+        </p:nvSpPr>
+        <p:spPr>
+          <a:xfrm>
+            <a:off x="7653147" y="2276850"/>
+            <a:ext cx="1455300" cy="955800"/>
+          </a:xfrm>
+          <a:prstGeom prst="rect">
+            <a:avLst/>
+          </a:prstGeom>
+          <a:noFill/>
+          <a:ln w="9525" cap="flat" cmpd="sng">
+            <a:solidFill>
+              <a:schemeClr val="dk2"/>
+            </a:solidFill>
+            <a:prstDash val="solid"/>
+            <a:round/>
+            <a:headEnd type="none" w="sm" len="sm"/>
+            <a:tailEnd type="none" w="sm" len="sm"/>
+          </a:ln>
+        </p:spPr>
+        <p:txBody>
+          <a:bodyPr spcFirstLastPara="1" wrap="square" lIns="91425" tIns="91425" rIns="91425" bIns="91425" anchor="ctr" anchorCtr="0">
+            <a:noAutofit/>
+          </a:bodyPr>
+          <a:lstStyle/>
+          <a:p>
+            <a:pPr marL="0" marR="0" lvl="0" indent="0" algn="ctr" rtl="0">
+              <a:lnSpc>
+                <a:spcPct val="100000"/>
+              </a:lnSpc>
+              <a:spcBef>
+                <a:spcPts val="0"/>
+              </a:spcBef>
+              <a:spcAft>
+                <a:spcPts val="0"/>
+              </a:spcAft>
+              <a:buClr>
+                <a:srgbClr val="000000"/>
+              </a:buClr>
+              <a:buSzPts val="1400"/>
+              <a:buFont typeface="Arial"/>
+              <a:buNone/>
+            </a:pPr>
+            <a:r>
+              <a:rPr lang="ja-JP" sz="1400" b="0" i="0" u="none" strike="noStrike" cap="none">
+                <a:solidFill>
+                  <a:srgbClr val="000000"/>
+                </a:solidFill>
+                <a:latin typeface="Calibri"/>
+                <a:ea typeface="Calibri"/>
+                <a:cs typeface="Calibri"/>
+                <a:sym typeface="Calibri"/>
+              </a:rPr>
+              <a:t>データ</a:t>
+            </a:r>
+            <a:endParaRPr sz="1400" b="0" i="0" u="none" strike="noStrike" cap="none">
+              <a:solidFill>
+                <a:srgbClr val="000000"/>
+              </a:solidFill>
+              <a:latin typeface="Calibri"/>
+              <a:ea typeface="Calibri"/>
+              <a:cs typeface="Calibri"/>
+              <a:sym typeface="Calibri"/>
+            </a:endParaRPr>
+          </a:p>
+        </p:txBody>
+      </p:sp>
+      <p:sp>
+        <p:nvSpPr>
+          <p:cNvPr id="130" name="Google Shape;130;p9"/>
+          <p:cNvSpPr/>
+          <p:nvPr/>
+        </p:nvSpPr>
+        <p:spPr>
+          <a:xfrm>
+            <a:off x="1760972" y="3546425"/>
+            <a:ext cx="1455300" cy="955800"/>
+          </a:xfrm>
+          <a:prstGeom prst="rect">
+            <a:avLst/>
+          </a:prstGeom>
+          <a:noFill/>
+          <a:ln w="9525" cap="flat" cmpd="sng">
+            <a:solidFill>
+              <a:schemeClr val="dk2"/>
+            </a:solidFill>
+            <a:prstDash val="solid"/>
+            <a:round/>
+            <a:headEnd type="none" w="sm" len="sm"/>
+            <a:tailEnd type="none" w="sm" len="sm"/>
+          </a:ln>
+        </p:spPr>
+        <p:txBody>
+          <a:bodyPr spcFirstLastPara="1" wrap="square" lIns="91425" tIns="91425" rIns="91425" bIns="91425" anchor="ctr" anchorCtr="0">
+            <a:noAutofit/>
+          </a:bodyPr>
+          <a:lstStyle/>
+          <a:p>
+            <a:pPr marL="0" marR="0" lvl="0" indent="0" algn="ctr" rtl="0">
+              <a:lnSpc>
+                <a:spcPct val="100000"/>
+              </a:lnSpc>
+              <a:spcBef>
+                <a:spcPts val="0"/>
+              </a:spcBef>
+              <a:spcAft>
+                <a:spcPts val="0"/>
+              </a:spcAft>
+              <a:buClr>
+                <a:srgbClr val="000000"/>
+              </a:buClr>
+              <a:buSzPts val="1400"/>
+              <a:buFont typeface="Arial"/>
+              <a:buNone/>
+            </a:pPr>
+            <a:r>
+              <a:rPr lang="ja-JP" sz="1400" b="0" i="0" u="none" strike="noStrike" cap="none">
+                <a:solidFill>
+                  <a:srgbClr val="000000"/>
+                </a:solidFill>
+                <a:latin typeface="Calibri"/>
+                <a:ea typeface="Calibri"/>
+                <a:cs typeface="Calibri"/>
+                <a:sym typeface="Calibri"/>
+              </a:rPr>
+              <a:t>データ</a:t>
+            </a:r>
+            <a:endParaRPr sz="1400" b="0" i="0" u="none" strike="noStrike" cap="none">
+              <a:solidFill>
+                <a:srgbClr val="000000"/>
+              </a:solidFill>
+              <a:latin typeface="Calibri"/>
+              <a:ea typeface="Calibri"/>
+              <a:cs typeface="Calibri"/>
+              <a:sym typeface="Calibri"/>
+            </a:endParaRPr>
+          </a:p>
+        </p:txBody>
+      </p:sp>
+      <p:sp>
+        <p:nvSpPr>
+          <p:cNvPr id="131" name="Google Shape;131;p9"/>
+          <p:cNvSpPr/>
+          <p:nvPr/>
+        </p:nvSpPr>
+        <p:spPr>
+          <a:xfrm>
+            <a:off x="157900" y="3588125"/>
+            <a:ext cx="872400" cy="872400"/>
+          </a:xfrm>
+          <a:prstGeom prst="ellipse">
+            <a:avLst/>
+          </a:prstGeom>
+          <a:noFill/>
+          <a:ln w="9525" cap="flat" cmpd="sng">
+            <a:solidFill>
+              <a:schemeClr val="dk2"/>
+            </a:solidFill>
+            <a:prstDash val="solid"/>
+            <a:round/>
+            <a:headEnd type="none" w="sm" len="sm"/>
+            <a:tailEnd type="none" w="sm" len="sm"/>
+          </a:ln>
+        </p:spPr>
+        <p:txBody>
+          <a:bodyPr spcFirstLastPara="1" wrap="square" lIns="91425" tIns="91425" rIns="91425" bIns="91425" anchor="ctr" anchorCtr="0">
+            <a:noAutofit/>
+          </a:bodyPr>
+          <a:lstStyle/>
+          <a:p>
+            <a:pPr marL="0" marR="0" lvl="0" indent="0" algn="ctr" rtl="0">
+              <a:lnSpc>
+                <a:spcPct val="100000"/>
+              </a:lnSpc>
+              <a:spcBef>
+                <a:spcPts val="0"/>
+              </a:spcBef>
+              <a:spcAft>
+                <a:spcPts val="0"/>
+              </a:spcAft>
+              <a:buClr>
+                <a:srgbClr val="000000"/>
+              </a:buClr>
+              <a:buSzPts val="1400"/>
+              <a:buFont typeface="Arial"/>
+              <a:buNone/>
+            </a:pPr>
+            <a:r>
+              <a:rPr lang="ja-JP" sz="1400" b="0" i="0" u="none" strike="noStrike" cap="none">
+                <a:solidFill>
+                  <a:srgbClr val="000000"/>
+                </a:solidFill>
+                <a:latin typeface="Calibri"/>
+                <a:ea typeface="Calibri"/>
+                <a:cs typeface="Calibri"/>
+                <a:sym typeface="Calibri"/>
+              </a:rPr>
+              <a:t>ブラウザ</a:t>
+            </a:r>
+            <a:endParaRPr sz="1400" b="0" i="0" u="none" strike="noStrike" cap="none">
+              <a:solidFill>
+                <a:srgbClr val="000000"/>
+              </a:solidFill>
+              <a:latin typeface="Calibri"/>
+              <a:ea typeface="Calibri"/>
+              <a:cs typeface="Calibri"/>
+              <a:sym typeface="Calibri"/>
+            </a:endParaRPr>
+          </a:p>
+        </p:txBody>
+      </p:sp>
+      <p:sp>
+        <p:nvSpPr>
+          <p:cNvPr id="132" name="Google Shape;132;p9"/>
+          <p:cNvSpPr/>
+          <p:nvPr/>
+        </p:nvSpPr>
+        <p:spPr>
+          <a:xfrm>
+            <a:off x="1030300" y="3920200"/>
+            <a:ext cx="872400" cy="436200"/>
+          </a:xfrm>
+          <a:prstGeom prst="rightArrow">
+            <a:avLst>
+              <a:gd name="adj1" fmla="val 50000"/>
+              <a:gd name="adj2" fmla="val 50000"/>
+            </a:avLst>
+          </a:prstGeom>
+          <a:noFill/>
+          <a:ln w="9525" cap="flat" cmpd="sng">
+            <a:solidFill>
+              <a:schemeClr val="dk2"/>
+            </a:solidFill>
+            <a:prstDash val="solid"/>
+            <a:round/>
+            <a:headEnd type="none" w="sm" len="sm"/>
+            <a:tailEnd type="none" w="sm" len="sm"/>
+          </a:ln>
+        </p:spPr>
+        <p:txBody>
+          <a:bodyPr spcFirstLastPara="1" wrap="square" lIns="91425" tIns="91425" rIns="91425" bIns="91425" anchor="ctr" anchorCtr="0">
+            <a:noAutofit/>
+          </a:bodyPr>
+          <a:lstStyle/>
+          <a:p>
+            <a:pPr marL="0" marR="0" lvl="0" indent="0" algn="ctr" rtl="0">
+              <a:lnSpc>
+                <a:spcPct val="100000"/>
+              </a:lnSpc>
+              <a:spcBef>
+                <a:spcPts val="0"/>
+              </a:spcBef>
+              <a:spcAft>
+                <a:spcPts val="0"/>
+              </a:spcAft>
+              <a:buClr>
+                <a:srgbClr val="000000"/>
+              </a:buClr>
+              <a:buSzPts val="1400"/>
+              <a:buFont typeface="Arial"/>
+              <a:buNone/>
+            </a:pPr>
+            <a:r>
+              <a:rPr lang="ja-JP" sz="1400" b="0" i="0" u="none" strike="noStrike" cap="none">
+                <a:solidFill>
+                  <a:srgbClr val="000000"/>
+                </a:solidFill>
+                <a:latin typeface="Calibri"/>
+                <a:ea typeface="Calibri"/>
+                <a:cs typeface="Calibri"/>
+                <a:sym typeface="Calibri"/>
+              </a:rPr>
+              <a:t>いい感じに整える</a:t>
+            </a:r>
+            <a:endParaRPr sz="1400" b="0" i="0" u="none" strike="noStrike" cap="none">
+              <a:solidFill>
+                <a:srgbClr val="000000"/>
+              </a:solidFill>
+              <a:latin typeface="Calibri"/>
+              <a:ea typeface="Calibri"/>
+              <a:cs typeface="Calibri"/>
+              <a:sym typeface="Calibri"/>
+            </a:endParaRPr>
+          </a:p>
+        </p:txBody>
+      </p:sp>
+      <p:pic>
+        <p:nvPicPr>
+          <p:cNvPr id="133" name="Google Shape;133;p9"/>
+          <p:cNvPicPr preferRelativeResize="0"/>
+          <p:nvPr/>
+        </p:nvPicPr>
+        <p:blipFill rotWithShape="1">
+          <a:blip r:embed="rId5">
+            <a:alphaModFix/>
+          </a:blip>
+          <a:srcRect/>
+          <a:stretch/>
+        </p:blipFill>
+        <p:spPr>
+          <a:xfrm>
+            <a:off x="938200" y="1835325"/>
+            <a:ext cx="1455299" cy="643086"/>
+          </a:xfrm>
+          <a:prstGeom prst="rect">
+            <a:avLst/>
+          </a:prstGeom>
+          <a:noFill/>
+          <a:ln>
+            <a:noFill/>
+          </a:ln>
+          <a:effectLst>
+            <a:reflection endPos="30000" dist="38100" dir="5400000" fadeDir="5400012" sy="-100000" algn="bl" rotWithShape="0"/>
+          </a:effectLst>
+        </p:spPr>
+      </p:pic>
+      <p:sp>
+        <p:nvSpPr>
+          <p:cNvPr id="134" name="Google Shape;134;p9"/>
+          <p:cNvSpPr/>
+          <p:nvPr/>
+        </p:nvSpPr>
+        <p:spPr>
+          <a:xfrm rot="-4304234">
+            <a:off x="466136" y="2684051"/>
+            <a:ext cx="1357477" cy="436301"/>
+          </a:xfrm>
+          <a:prstGeom prst="rightArrow">
+            <a:avLst>
+              <a:gd name="adj1" fmla="val 50000"/>
+              <a:gd name="adj2" fmla="val 50000"/>
+            </a:avLst>
+          </a:prstGeom>
+          <a:solidFill>
+            <a:srgbClr val="FFFF00"/>
+          </a:solidFill>
+          <a:ln w="9525" cap="flat" cmpd="sng">
+            <a:solidFill>
+              <a:schemeClr val="dk2"/>
+            </a:solidFill>
+            <a:prstDash val="solid"/>
+            <a:round/>
+            <a:headEnd type="none" w="sm" len="sm"/>
+            <a:tailEnd type="none" w="sm" len="sm"/>
+          </a:ln>
+        </p:spPr>
+        <p:txBody>
+          <a:bodyPr spcFirstLastPara="1" wrap="square" lIns="91425" tIns="91425" rIns="91425" bIns="91425" anchor="ctr" anchorCtr="0">
+            <a:noAutofit/>
+          </a:bodyPr>
+          <a:lstStyle/>
+          <a:p>
+            <a:pPr marL="0" marR="0" lvl="0" indent="0" algn="ctr" rtl="0">
+              <a:lnSpc>
+                <a:spcPct val="100000"/>
+              </a:lnSpc>
+              <a:spcBef>
+                <a:spcPts val="0"/>
+              </a:spcBef>
+              <a:spcAft>
+                <a:spcPts val="0"/>
+              </a:spcAft>
+              <a:buClr>
+                <a:srgbClr val="000000"/>
+              </a:buClr>
+              <a:buSzPts val="1400"/>
+              <a:buFont typeface="Arial"/>
+              <a:buNone/>
+            </a:pPr>
+            <a:r>
+              <a:rPr lang="ja-JP" sz="1400" b="0" i="0" u="none" strike="noStrike" cap="none">
+                <a:solidFill>
+                  <a:srgbClr val="000000"/>
+                </a:solidFill>
+                <a:latin typeface="Calibri"/>
+                <a:ea typeface="Calibri"/>
+                <a:cs typeface="Calibri"/>
+                <a:sym typeface="Calibri"/>
+              </a:rPr>
+              <a:t>画面へ</a:t>
+            </a:r>
+            <a:endParaRPr sz="1400" b="0" i="0" u="none" strike="noStrike" cap="none">
+              <a:solidFill>
+                <a:srgbClr val="000000"/>
+              </a:solidFill>
+              <a:latin typeface="Calibri"/>
+              <a:ea typeface="Calibri"/>
+              <a:cs typeface="Calibri"/>
+              <a:sym typeface="Calibri"/>
+            </a:endParaRPr>
+          </a:p>
+        </p:txBody>
+      </p:sp>
+    </p:spTree>
+  </p:cSld>
+  <p:clrMapOvr>
+    <a:masterClrMapping/>
+  </p:clrMapOvr>
+  <p:timing>
+    <p:tnLst>
+      <p:par>
+        <p:cTn id="1" dur="indefinite" restart="never" nodeType="tmRoot">
+          <p:childTnLst>
+            <p:seq concurrent="1" nextAc="seek">
+              <p:cTn id="2" dur="indefinite" nodeType="mainSeq">
+                <p:childTnLst>
+                  <p:par>
+                    <p:cTn id="3" fill="hold">
+                      <p:stCondLst>
+                        <p:cond delay="indefinite"/>
+                        <p:cond evt="onBegin" delay="0">
+                          <p:tn val="2"/>
+                        </p:cond>
+                      </p:stCondLst>
+                      <p:childTnLst>
+                        <p:par>
+                          <p:cTn id="4" fill="hold">
+                            <p:stCondLst>
+                              <p:cond delay="0"/>
+                            </p:stCondLst>
+                            <p:childTnLst>
+                              <p:par>
+                                <p:cTn id="5" presetID="1" presetClass="entr" presetSubtype="0" fill="hold" nodeType="withEffect">
+                                  <p:stCondLst>
+                                    <p:cond delay="0"/>
+                                  </p:stCondLst>
+                                  <p:childTnLst>
+                                    <p:set>
+                                      <p:cBhvr>
+                                        <p:cTn id="6" dur="1" fill="hold">
+                                          <p:stCondLst>
+                                            <p:cond delay="0"/>
+                                          </p:stCondLst>
+                                        </p:cTn>
+                                        <p:tgtEl>
+                                          <p:spTgt spid="123"/>
+                                        </p:tgtEl>
+                                        <p:attrNameLst>
+                                          <p:attrName>style.visibility</p:attrName>
+                                        </p:attrNameLst>
+                                      </p:cBhvr>
+                                      <p:to>
+                                        <p:strVal val="visible"/>
+                                      </p:to>
+                                    </p:set>
+                                  </p:childTnLst>
+                                </p:cTn>
+                              </p:par>
+                              <p:par>
+                                <p:cTn id="7" presetID="1" presetClass="entr" presetSubtype="0" fill="hold" nodeType="withEffect">
+                                  <p:stCondLst>
+                                    <p:cond delay="0"/>
+                                  </p:stCondLst>
+                                  <p:childTnLst>
+                                    <p:set>
+                                      <p:cBhvr>
+                                        <p:cTn id="8" dur="1" fill="hold">
+                                          <p:stCondLst>
+                                            <p:cond delay="0"/>
+                                          </p:stCondLst>
+                                        </p:cTn>
+                                        <p:tgtEl>
+                                          <p:spTgt spid="124"/>
+                                        </p:tgtEl>
+                                        <p:attrNameLst>
+                                          <p:attrName>style.visibility</p:attrName>
+                                        </p:attrNameLst>
+                                      </p:cBhvr>
+                                      <p:to>
+                                        <p:strVal val="visible"/>
+                                      </p:to>
+                                    </p:set>
+                                  </p:childTnLst>
+                                </p:cTn>
+                              </p:par>
+                            </p:childTnLst>
+                          </p:cTn>
+                        </p:par>
+                      </p:childTnLst>
+                    </p:cTn>
+                  </p:par>
+                  <p:par>
+                    <p:cTn id="9" fill="hold">
+                      <p:stCondLst>
+                        <p:cond delay="indefinite"/>
+                      </p:stCondLst>
+                      <p:childTnLst>
+                        <p:par>
+                          <p:cTn id="10" fill="hold">
+                            <p:stCondLst>
+                              <p:cond delay="0"/>
+                            </p:stCondLst>
+                            <p:childTnLst>
+                              <p:par>
+                                <p:cTn id="11" presetID="1" presetClass="entr" presetSubtype="0" fill="hold" nodeType="clickEffect">
+                                  <p:stCondLst>
+                                    <p:cond delay="0"/>
+                                  </p:stCondLst>
+                                  <p:childTnLst>
+                                    <p:set>
+                                      <p:cBhvr>
+                                        <p:cTn id="12" dur="1" fill="hold">
+                                          <p:stCondLst>
+                                            <p:cond delay="0"/>
+                                          </p:stCondLst>
+                                        </p:cTn>
+                                        <p:tgtEl>
+                                          <p:spTgt spid="125"/>
+                                        </p:tgtEl>
+                                        <p:attrNameLst>
+                                          <p:attrName>style.visibility</p:attrName>
+                                        </p:attrNameLst>
+                                      </p:cBhvr>
+                                      <p:to>
+                                        <p:strVal val="visible"/>
+                                      </p:to>
+                                    </p:set>
+                                  </p:childTnLst>
+                                </p:cTn>
+                              </p:par>
+                            </p:childTnLst>
+                          </p:cTn>
+                        </p:par>
+                      </p:childTnLst>
+                    </p:cTn>
+                  </p:par>
+                  <p:par>
+                    <p:cTn id="13" fill="hold">
+                      <p:stCondLst>
+                        <p:cond delay="indefinite"/>
+                      </p:stCondLst>
+                      <p:childTnLst>
+                        <p:par>
+                          <p:cTn id="14" fill="hold">
+                            <p:stCondLst>
+                              <p:cond delay="0"/>
+                            </p:stCondLst>
+                            <p:childTnLst>
+                              <p:par>
+                                <p:cTn id="15" presetID="1" presetClass="entr" presetSubtype="0" fill="hold" nodeType="clickEffect">
+                                  <p:stCondLst>
+                                    <p:cond delay="0"/>
+                                  </p:stCondLst>
+                                  <p:childTnLst>
+                                    <p:set>
+                                      <p:cBhvr>
+                                        <p:cTn id="16" dur="1" fill="hold">
+                                          <p:stCondLst>
+                                            <p:cond delay="0"/>
+                                          </p:stCondLst>
+                                        </p:cTn>
+                                        <p:tgtEl>
+                                          <p:spTgt spid="126"/>
+                                        </p:tgtEl>
+                                        <p:attrNameLst>
+                                          <p:attrName>style.visibility</p:attrName>
+                                        </p:attrNameLst>
+                                      </p:cBhvr>
+                                      <p:to>
+                                        <p:strVal val="visible"/>
+                                      </p:to>
+                                    </p:set>
+                                  </p:childTnLst>
+                                </p:cTn>
+                              </p:par>
+                            </p:childTnLst>
+                          </p:cTn>
+                        </p:par>
+                      </p:childTnLst>
+                    </p:cTn>
+                  </p:par>
+                </p:childTnLst>
+              </p:cTn>
+              <p:prevCondLst>
+                <p:cond evt="onPrev" delay="0">
+                  <p:tgtEl>
+                    <p:sldTgt/>
+                  </p:tgtEl>
+                </p:cond>
+              </p:prevCondLst>
+              <p:nextCondLst>
+                <p:cond evt="onNext" delay="0">
+                  <p:tgtEl>
+                    <p:sldTgt/>
+                  </p:tgtEl>
+                </p:cond>
+              </p:nextCondLst>
+            </p:seq>
+          </p:childTnLst>
+        </p:cTn>
+      </p:par>
+    </p:tnLst>
+  </p:timing>
+</p:sld>
+</file>
+
+<file path=ppt/slides/slide11.xml><?xml version="1.0" encoding="utf-8"?>
+<p:sld xmlns:a="http://schemas.openxmlformats.org/drawingml/2006/main" xmlns:r="http://schemas.openxmlformats.org/officeDocument/2006/relationships" xmlns:p="http://schemas.openxmlformats.org/presentationml/2006/main">
+  <p:cSld>
+    <p:spTree>
+      <p:nvGrpSpPr>
         <p:cNvPr id="1" name="Shape 138"/>
         <p:cNvGrpSpPr/>
         <p:nvPr/>
@@ -10288,7 +11495,7 @@
 </p:sld>
 </file>
 
-<file path=ppt/slides/slide11.xml><?xml version="1.0" encoding="utf-8"?>
+<file path=ppt/slides/slide12.xml><?xml version="1.0" encoding="utf-8"?>
 <p:sld xmlns:a="http://schemas.openxmlformats.org/drawingml/2006/main" xmlns:r="http://schemas.openxmlformats.org/officeDocument/2006/relationships" xmlns:p="http://schemas.openxmlformats.org/presentationml/2006/main">
   <p:cSld>
     <p:spTree>
@@ -10664,7 +11871,7 @@
 </p:sld>
 </file>
 
-<file path=ppt/slides/slide12.xml><?xml version="1.0" encoding="utf-8"?>
+<file path=ppt/slides/slide13.xml><?xml version="1.0" encoding="utf-8"?>
 <p:sld xmlns:a="http://schemas.openxmlformats.org/drawingml/2006/main" xmlns:r="http://schemas.openxmlformats.org/officeDocument/2006/relationships" xmlns:p="http://schemas.openxmlformats.org/presentationml/2006/main">
   <p:cSld>
     <p:spTree>
@@ -10780,7 +11987,7 @@
             </a:pPr>
             <a:fld id="{00000000-1234-1234-1234-123412341234}" type="slidenum">
               <a:rPr lang="en-US" altLang="ja-JP"/>
-              <a:t>12</a:t>
+              <a:t>13</a:t>
             </a:fld>
             <a:endParaRPr/>
           </a:p>
@@ -11505,7 +12712,7 @@
 </p:sld>
 </file>
 
-<file path=ppt/slides/slide13.xml><?xml version="1.0" encoding="utf-8"?>
+<file path=ppt/slides/slide14.xml><?xml version="1.0" encoding="utf-8"?>
 <p:sld xmlns:a="http://schemas.openxmlformats.org/drawingml/2006/main" xmlns:r="http://schemas.openxmlformats.org/officeDocument/2006/relationships" xmlns:p="http://schemas.openxmlformats.org/presentationml/2006/main">
   <p:cSld>
     <p:spTree>
@@ -11621,7 +12828,7 @@
             </a:pPr>
             <a:fld id="{00000000-1234-1234-1234-123412341234}" type="slidenum">
               <a:rPr lang="en-US" altLang="ja-JP"/>
-              <a:t>13</a:t>
+              <a:t>14</a:t>
             </a:fld>
             <a:endParaRPr/>
           </a:p>
@@ -12684,7 +13891,7 @@
 </p:sld>
 </file>
 
-<file path=ppt/slides/slide14.xml><?xml version="1.0" encoding="utf-8"?>
+<file path=ppt/slides/slide15.xml><?xml version="1.0" encoding="utf-8"?>
 <p:sld xmlns:a="http://schemas.openxmlformats.org/drawingml/2006/main" xmlns:r="http://schemas.openxmlformats.org/officeDocument/2006/relationships" xmlns:p="http://schemas.openxmlformats.org/presentationml/2006/main">
   <p:cSld>
     <p:spTree>
@@ -12800,7 +14007,7 @@
             </a:pPr>
             <a:fld id="{00000000-1234-1234-1234-123412341234}" type="slidenum">
               <a:rPr lang="en-US" altLang="ja-JP"/>
-              <a:t>14</a:t>
+              <a:t>15</a:t>
             </a:fld>
             <a:endParaRPr/>
           </a:p>
@@ -14033,7 +15240,7 @@
 </p:sld>
 </file>
 
-<file path=ppt/slides/slide15.xml><?xml version="1.0" encoding="utf-8"?>
+<file path=ppt/slides/slide16.xml><?xml version="1.0" encoding="utf-8"?>
 <p:sld xmlns:a="http://schemas.openxmlformats.org/drawingml/2006/main" xmlns:r="http://schemas.openxmlformats.org/officeDocument/2006/relationships" xmlns:p="http://schemas.openxmlformats.org/presentationml/2006/main">
   <p:cSld>
     <p:spTree>
@@ -14148,7 +15355,7 @@
             </a:pPr>
             <a:fld id="{00000000-1234-1234-1234-123412341234}" type="slidenum">
               <a:rPr lang="en-US" altLang="ja-JP"/>
-              <a:t>15</a:t>
+              <a:t>16</a:t>
             </a:fld>
             <a:endParaRPr/>
           </a:p>
@@ -14709,7 +15916,7 @@
 </p:sld>
 </file>
 
-<file path=ppt/slides/slide16.xml><?xml version="1.0" encoding="utf-8"?>
+<file path=ppt/slides/slide17.xml><?xml version="1.0" encoding="utf-8"?>
 <p:sld xmlns:a="http://schemas.openxmlformats.org/drawingml/2006/main" xmlns:r="http://schemas.openxmlformats.org/officeDocument/2006/relationships" xmlns:p="http://schemas.openxmlformats.org/presentationml/2006/main">
   <p:cSld>
     <p:spTree>
@@ -14824,7 +16031,7 @@
             </a:pPr>
             <a:fld id="{00000000-1234-1234-1234-123412341234}" type="slidenum">
               <a:rPr lang="en-US" altLang="ja-JP"/>
-              <a:t>16</a:t>
+              <a:t>17</a:t>
             </a:fld>
             <a:endParaRPr/>
           </a:p>
@@ -15425,7 +16632,7 @@
 </p:sld>
 </file>
 
-<file path=ppt/slides/slide17.xml><?xml version="1.0" encoding="utf-8"?>
+<file path=ppt/slides/slide18.xml><?xml version="1.0" encoding="utf-8"?>
 <p:sld xmlns:a="http://schemas.openxmlformats.org/drawingml/2006/main" xmlns:r="http://schemas.openxmlformats.org/officeDocument/2006/relationships" xmlns:p="http://schemas.openxmlformats.org/presentationml/2006/main">
   <p:cSld>
     <p:spTree>
@@ -15540,7 +16747,7 @@
             </a:pPr>
             <a:fld id="{00000000-1234-1234-1234-123412341234}" type="slidenum">
               <a:rPr lang="en-US" altLang="ja-JP"/>
-              <a:t>17</a:t>
+              <a:t>18</a:t>
             </a:fld>
             <a:endParaRPr/>
           </a:p>
@@ -16143,7 +17350,7 @@
 </p:sld>
 </file>
 
-<file path=ppt/slides/slide18.xml><?xml version="1.0" encoding="utf-8"?>
+<file path=ppt/slides/slide19.xml><?xml version="1.0" encoding="utf-8"?>
 <p:sld xmlns:a="http://schemas.openxmlformats.org/drawingml/2006/main" xmlns:r="http://schemas.openxmlformats.org/officeDocument/2006/relationships" xmlns:p="http://schemas.openxmlformats.org/presentationml/2006/main">
   <p:cSld>
     <p:spTree>
@@ -16328,7 +17535,215 @@
 </p:sld>
 </file>
 
-<file path=ppt/slides/slide19.xml><?xml version="1.0" encoding="utf-8"?>
+<file path=ppt/slides/slide2.xml><?xml version="1.0" encoding="utf-8"?>
+<p:sld xmlns:a="http://schemas.openxmlformats.org/drawingml/2006/main" xmlns:r="http://schemas.openxmlformats.org/officeDocument/2006/relationships" xmlns:p="http://schemas.openxmlformats.org/presentationml/2006/main">
+  <p:cSld>
+    <p:spTree>
+      <p:nvGrpSpPr>
+        <p:cNvPr id="1" name="Shape 275">
+          <a:extLst>
+            <a:ext uri="{FF2B5EF4-FFF2-40B4-BE49-F238E27FC236}">
+              <a16:creationId xmlns:a16="http://schemas.microsoft.com/office/drawing/2014/main" id="{1B2F2F1A-CB93-097F-48EC-A02DC6F64310}"/>
+            </a:ext>
+          </a:extLst>
+        </p:cNvPr>
+        <p:cNvGrpSpPr/>
+        <p:nvPr/>
+      </p:nvGrpSpPr>
+      <p:grpSpPr>
+        <a:xfrm>
+          <a:off x="0" y="0"/>
+          <a:ext cx="0" cy="0"/>
+          <a:chOff x="0" y="0"/>
+          <a:chExt cx="0" cy="0"/>
+        </a:xfrm>
+      </p:grpSpPr>
+      <p:sp>
+        <p:nvSpPr>
+          <p:cNvPr id="276" name="Google Shape;276;p20">
+            <a:extLst>
+              <a:ext uri="{FF2B5EF4-FFF2-40B4-BE49-F238E27FC236}">
+                <a16:creationId xmlns:a16="http://schemas.microsoft.com/office/drawing/2014/main" id="{2E616427-FBD3-5640-0B19-23427ED7C5AB}"/>
+              </a:ext>
+            </a:extLst>
+          </p:cNvPr>
+          <p:cNvSpPr txBox="1">
+            <a:spLocks noGrp="1"/>
+          </p:cNvSpPr>
+          <p:nvPr>
+            <p:ph type="title"/>
+          </p:nvPr>
+        </p:nvSpPr>
+        <p:spPr>
+          <a:xfrm>
+            <a:off x="533275" y="91250"/>
+            <a:ext cx="7384800" cy="622200"/>
+          </a:xfrm>
+          <a:prstGeom prst="rect">
+            <a:avLst/>
+          </a:prstGeom>
+          <a:noFill/>
+          <a:ln>
+            <a:noFill/>
+          </a:ln>
+        </p:spPr>
+        <p:txBody>
+          <a:bodyPr spcFirstLastPara="1" wrap="square" lIns="91425" tIns="45700" rIns="91425" bIns="45700" anchor="ctr" anchorCtr="0">
+            <a:noAutofit/>
+          </a:bodyPr>
+          <a:lstStyle/>
+          <a:p>
+            <a:pPr marL="0" lvl="0" indent="0" algn="l" rtl="0">
+              <a:lnSpc>
+                <a:spcPct val="100000"/>
+              </a:lnSpc>
+              <a:spcBef>
+                <a:spcPts val="0"/>
+              </a:spcBef>
+              <a:spcAft>
+                <a:spcPts val="0"/>
+              </a:spcAft>
+              <a:buClr>
+                <a:schemeClr val="dk1"/>
+              </a:buClr>
+              <a:buSzPts val="3200"/>
+              <a:buFont typeface="Meiryo"/>
+              <a:buNone/>
+            </a:pPr>
+            <a:r>
+              <a:rPr lang="ja-JP" altLang="en-US"/>
+              <a:t>スライド追加</a:t>
+            </a:r>
+            <a:endParaRPr dirty="0"/>
+          </a:p>
+        </p:txBody>
+      </p:sp>
+      <p:sp>
+        <p:nvSpPr>
+          <p:cNvPr id="277" name="Google Shape;277;p20">
+            <a:extLst>
+              <a:ext uri="{FF2B5EF4-FFF2-40B4-BE49-F238E27FC236}">
+                <a16:creationId xmlns:a16="http://schemas.microsoft.com/office/drawing/2014/main" id="{869B9ADF-7614-F853-E165-C6C46789F5A0}"/>
+              </a:ext>
+            </a:extLst>
+          </p:cNvPr>
+          <p:cNvSpPr txBox="1">
+            <a:spLocks noGrp="1"/>
+          </p:cNvSpPr>
+          <p:nvPr>
+            <p:ph type="sldNum" idx="12"/>
+          </p:nvPr>
+        </p:nvSpPr>
+        <p:spPr>
+          <a:xfrm>
+            <a:off x="6902896" y="4836189"/>
+            <a:ext cx="2133600" cy="273900"/>
+          </a:xfrm>
+          <a:prstGeom prst="rect">
+            <a:avLst/>
+          </a:prstGeom>
+          <a:noFill/>
+          <a:ln>
+            <a:noFill/>
+          </a:ln>
+        </p:spPr>
+        <p:txBody>
+          <a:bodyPr spcFirstLastPara="1" wrap="square" lIns="91425" tIns="45700" rIns="91425" bIns="45700" anchor="ctr" anchorCtr="0">
+            <a:noAutofit/>
+          </a:bodyPr>
+          <a:lstStyle/>
+          <a:p>
+            <a:pPr marL="0" lvl="0" indent="0" algn="r" rtl="0">
+              <a:lnSpc>
+                <a:spcPct val="100000"/>
+              </a:lnSpc>
+              <a:spcBef>
+                <a:spcPts val="0"/>
+              </a:spcBef>
+              <a:spcAft>
+                <a:spcPts val="0"/>
+              </a:spcAft>
+              <a:buSzPts val="1100"/>
+              <a:buNone/>
+            </a:pPr>
+            <a:fld id="{00000000-1234-1234-1234-123412341234}" type="slidenum">
+              <a:rPr lang="en-US" altLang="ja-JP"/>
+              <a:t>2</a:t>
+            </a:fld>
+            <a:endParaRPr/>
+          </a:p>
+        </p:txBody>
+      </p:sp>
+      <p:sp>
+        <p:nvSpPr>
+          <p:cNvPr id="278" name="Google Shape;278;p20">
+            <a:extLst>
+              <a:ext uri="{FF2B5EF4-FFF2-40B4-BE49-F238E27FC236}">
+                <a16:creationId xmlns:a16="http://schemas.microsoft.com/office/drawing/2014/main" id="{BF8A7CBA-928C-7C8E-C264-D22CE5ACD56A}"/>
+              </a:ext>
+            </a:extLst>
+          </p:cNvPr>
+          <p:cNvSpPr txBox="1">
+            <a:spLocks noGrp="1"/>
+          </p:cNvSpPr>
+          <p:nvPr>
+            <p:ph type="ftr" idx="11"/>
+          </p:nvPr>
+        </p:nvSpPr>
+        <p:spPr>
+          <a:xfrm>
+            <a:off x="3124200" y="4836189"/>
+            <a:ext cx="2895600" cy="273900"/>
+          </a:xfrm>
+          <a:prstGeom prst="rect">
+            <a:avLst/>
+          </a:prstGeom>
+          <a:noFill/>
+          <a:ln>
+            <a:noFill/>
+          </a:ln>
+        </p:spPr>
+        <p:txBody>
+          <a:bodyPr spcFirstLastPara="1" wrap="square" lIns="91425" tIns="45700" rIns="91425" bIns="45700" anchor="ctr" anchorCtr="0">
+            <a:noAutofit/>
+          </a:bodyPr>
+          <a:lstStyle/>
+          <a:p>
+            <a:pPr marL="0" lvl="0" indent="0" algn="ctr" rtl="0">
+              <a:lnSpc>
+                <a:spcPct val="100000"/>
+              </a:lnSpc>
+              <a:spcBef>
+                <a:spcPts val="0"/>
+              </a:spcBef>
+              <a:spcAft>
+                <a:spcPts val="0"/>
+              </a:spcAft>
+              <a:buSzPts val="1400"/>
+              <a:buNone/>
+            </a:pPr>
+            <a:r>
+              <a:rPr lang="ja-JP"/>
+              <a:t>Copyright © UNIRITA Inc. All rights reserved.</a:t>
+            </a:r>
+            <a:endParaRPr/>
+          </a:p>
+        </p:txBody>
+      </p:sp>
+    </p:spTree>
+    <p:extLst>
+      <p:ext uri="{BB962C8B-B14F-4D97-AF65-F5344CB8AC3E}">
+        <p14:creationId xmlns:p14="http://schemas.microsoft.com/office/powerpoint/2010/main" val="147277313"/>
+      </p:ext>
+    </p:extLst>
+  </p:cSld>
+  <p:clrMapOvr>
+    <a:masterClrMapping/>
+  </p:clrMapOvr>
+</p:sld>
+</file>
+
+<file path=ppt/slides/slide20.xml><?xml version="1.0" encoding="utf-8"?>
 <p:sld xmlns:a="http://schemas.openxmlformats.org/drawingml/2006/main" xmlns:r="http://schemas.openxmlformats.org/officeDocument/2006/relationships" xmlns:p="http://schemas.openxmlformats.org/presentationml/2006/main">
   <p:cSld>
     <p:spTree>
@@ -16503,7 +17918,7 @@
             </a:pPr>
             <a:fld id="{00000000-1234-1234-1234-123412341234}" type="slidenum">
               <a:rPr lang="en-US" altLang="ja-JP"/>
-              <a:t>19</a:t>
+              <a:t>20</a:t>
             </a:fld>
             <a:endParaRPr/>
           </a:p>
@@ -16810,214 +18225,7 @@
 </p:sld>
 </file>
 
-<file path=ppt/slides/slide2.xml><?xml version="1.0" encoding="utf-8"?>
-<p:sld xmlns:a="http://schemas.openxmlformats.org/drawingml/2006/main" xmlns:r="http://schemas.openxmlformats.org/officeDocument/2006/relationships" xmlns:p="http://schemas.openxmlformats.org/presentationml/2006/main">
-  <p:cSld>
-    <p:spTree>
-      <p:nvGrpSpPr>
-        <p:cNvPr id="1" name="Shape 47"/>
-        <p:cNvGrpSpPr/>
-        <p:nvPr/>
-      </p:nvGrpSpPr>
-      <p:grpSpPr>
-        <a:xfrm>
-          <a:off x="0" y="0"/>
-          <a:ext cx="0" cy="0"/>
-          <a:chOff x="0" y="0"/>
-          <a:chExt cx="0" cy="0"/>
-        </a:xfrm>
-      </p:grpSpPr>
-      <p:sp>
-        <p:nvSpPr>
-          <p:cNvPr id="48" name="Google Shape;48;p2"/>
-          <p:cNvSpPr txBox="1">
-            <a:spLocks noGrp="1"/>
-          </p:cNvSpPr>
-          <p:nvPr>
-            <p:ph type="title"/>
-          </p:nvPr>
-        </p:nvSpPr>
-        <p:spPr>
-          <a:xfrm>
-            <a:off x="374848" y="250430"/>
-            <a:ext cx="8229600" cy="462900"/>
-          </a:xfrm>
-          <a:prstGeom prst="rect">
-            <a:avLst/>
-          </a:prstGeom>
-          <a:noFill/>
-          <a:ln>
-            <a:noFill/>
-          </a:ln>
-        </p:spPr>
-        <p:txBody>
-          <a:bodyPr spcFirstLastPara="1" wrap="square" lIns="91425" tIns="45700" rIns="91425" bIns="45700" anchor="ctr" anchorCtr="0">
-            <a:noAutofit/>
-          </a:bodyPr>
-          <a:lstStyle/>
-          <a:p>
-            <a:pPr marL="0" lvl="0" indent="0" algn="l" rtl="0">
-              <a:lnSpc>
-                <a:spcPct val="100000"/>
-              </a:lnSpc>
-              <a:spcBef>
-                <a:spcPts val="0"/>
-              </a:spcBef>
-              <a:spcAft>
-                <a:spcPts val="0"/>
-              </a:spcAft>
-              <a:buSzPts val="3200"/>
-              <a:buNone/>
-            </a:pPr>
-            <a:r>
-              <a:rPr lang="ja-JP"/>
-              <a:t>用語</a:t>
-            </a:r>
-            <a:endParaRPr/>
-          </a:p>
-        </p:txBody>
-      </p:sp>
-      <p:sp>
-        <p:nvSpPr>
-          <p:cNvPr id="49" name="Google Shape;49;p2"/>
-          <p:cNvSpPr txBox="1">
-            <a:spLocks noGrp="1"/>
-          </p:cNvSpPr>
-          <p:nvPr>
-            <p:ph type="body" idx="1"/>
-          </p:nvPr>
-        </p:nvSpPr>
-        <p:spPr>
-          <a:xfrm>
-            <a:off x="374848" y="843559"/>
-            <a:ext cx="8229600" cy="3394500"/>
-          </a:xfrm>
-          <a:prstGeom prst="rect">
-            <a:avLst/>
-          </a:prstGeom>
-          <a:noFill/>
-          <a:ln>
-            <a:noFill/>
-          </a:ln>
-        </p:spPr>
-        <p:txBody>
-          <a:bodyPr spcFirstLastPara="1" wrap="square" lIns="91425" tIns="45700" rIns="91425" bIns="45700" anchor="t" anchorCtr="0">
-            <a:noAutofit/>
-          </a:bodyPr>
-          <a:lstStyle/>
-          <a:p>
-            <a:pPr marL="0" lvl="0" indent="0" algn="l" rtl="0">
-              <a:lnSpc>
-                <a:spcPct val="100000"/>
-              </a:lnSpc>
-              <a:spcBef>
-                <a:spcPts val="640"/>
-              </a:spcBef>
-              <a:spcAft>
-                <a:spcPts val="0"/>
-              </a:spcAft>
-              <a:buSzPts val="3200"/>
-              <a:buNone/>
-            </a:pPr>
-            <a:r>
-              <a:rPr lang="ja-JP"/>
-              <a:t>・ブラウザ: webサイトを閲覧するソフト、chrome,firefox,safari</a:t>
-            </a:r>
-            <a:endParaRPr/>
-          </a:p>
-          <a:p>
-            <a:pPr marL="0" lvl="0" indent="0" algn="l" rtl="0">
-              <a:lnSpc>
-                <a:spcPct val="100000"/>
-              </a:lnSpc>
-              <a:spcBef>
-                <a:spcPts val="640"/>
-              </a:spcBef>
-              <a:spcAft>
-                <a:spcPts val="0"/>
-              </a:spcAft>
-              <a:buSzPts val="3200"/>
-              <a:buNone/>
-            </a:pPr>
-            <a:r>
-              <a:rPr lang="ja-JP"/>
-              <a:t>・サーバー: webサイトのデータを持っているコンピューター。</a:t>
-            </a:r>
-            <a:r>
-              <a:rPr lang="ja-JP">
-                <a:solidFill>
-                  <a:schemeClr val="accent1"/>
-                </a:solidFill>
-              </a:rPr>
-              <a:t>サーバーという言葉の雰囲気を掴むことが大事。serveは日本語で提供するという意味を持つ。</a:t>
-            </a:r>
-            <a:endParaRPr>
-              <a:solidFill>
-                <a:schemeClr val="accent1"/>
-              </a:solidFill>
-            </a:endParaRPr>
-          </a:p>
-        </p:txBody>
-      </p:sp>
-      <p:sp>
-        <p:nvSpPr>
-          <p:cNvPr id="50" name="Google Shape;50;p2"/>
-          <p:cNvSpPr txBox="1">
-            <a:spLocks noGrp="1"/>
-          </p:cNvSpPr>
-          <p:nvPr>
-            <p:ph type="sldNum" idx="12"/>
-          </p:nvPr>
-        </p:nvSpPr>
-        <p:spPr>
-          <a:xfrm>
-            <a:off x="6902896" y="4836189"/>
-            <a:ext cx="2133600" cy="273900"/>
-          </a:xfrm>
-          <a:prstGeom prst="rect">
-            <a:avLst/>
-          </a:prstGeom>
-          <a:noFill/>
-          <a:ln>
-            <a:noFill/>
-          </a:ln>
-        </p:spPr>
-        <p:txBody>
-          <a:bodyPr spcFirstLastPara="1" wrap="square" lIns="91425" tIns="45700" rIns="91425" bIns="45700" anchor="ctr" anchorCtr="0">
-            <a:noAutofit/>
-          </a:bodyPr>
-          <a:lstStyle/>
-          <a:p>
-            <a:pPr marL="0" lvl="0" indent="0" algn="r" rtl="0">
-              <a:lnSpc>
-                <a:spcPct val="100000"/>
-              </a:lnSpc>
-              <a:spcBef>
-                <a:spcPts val="0"/>
-              </a:spcBef>
-              <a:spcAft>
-                <a:spcPts val="0"/>
-              </a:spcAft>
-              <a:buSzPts val="1100"/>
-              <a:buNone/>
-            </a:pPr>
-            <a:fld id="{00000000-1234-1234-1234-123412341234}" type="slidenum">
-              <a:rPr lang="en-US" altLang="ja-JP"/>
-              <a:t>2</a:t>
-            </a:fld>
-            <a:endParaRPr/>
-          </a:p>
-        </p:txBody>
-      </p:sp>
-    </p:spTree>
-  </p:cSld>
-  <p:clrMapOvr>
-    <a:masterClrMapping/>
-  </p:clrMapOvr>
-</p:sld>
-</file>
-
-<file path=ppt/slides/slide20.xml><?xml version="1.0" encoding="utf-8"?>
+<file path=ppt/slides/slide21.xml><?xml version="1.0" encoding="utf-8"?>
 <p:sld xmlns:a="http://schemas.openxmlformats.org/drawingml/2006/main" xmlns:r="http://schemas.openxmlformats.org/officeDocument/2006/relationships" xmlns:p="http://schemas.openxmlformats.org/presentationml/2006/main">
   <p:cSld>
     <p:spTree>
@@ -17132,7 +18340,7 @@
             </a:pPr>
             <a:fld id="{00000000-1234-1234-1234-123412341234}" type="slidenum">
               <a:rPr lang="en-US" altLang="ja-JP"/>
-              <a:t>20</a:t>
+              <a:t>21</a:t>
             </a:fld>
             <a:endParaRPr/>
           </a:p>
@@ -17196,7 +18404,7 @@
 </p:sld>
 </file>
 
-<file path=ppt/slides/slide21.xml><?xml version="1.0" encoding="utf-8"?>
+<file path=ppt/slides/slide22.xml><?xml version="1.0" encoding="utf-8"?>
 <p:sld xmlns:a="http://schemas.openxmlformats.org/drawingml/2006/main" xmlns:r="http://schemas.openxmlformats.org/officeDocument/2006/relationships" xmlns:p="http://schemas.openxmlformats.org/presentationml/2006/main">
   <p:cSld>
     <p:spTree>
@@ -17311,7 +18519,7 @@
             </a:pPr>
             <a:fld id="{00000000-1234-1234-1234-123412341234}" type="slidenum">
               <a:rPr lang="en-US" altLang="ja-JP"/>
-              <a:t>21</a:t>
+              <a:t>22</a:t>
             </a:fld>
             <a:endParaRPr/>
           </a:p>
@@ -17402,7 +18610,7 @@
 </p:sld>
 </file>
 
-<file path=ppt/slides/slide22.xml><?xml version="1.0" encoding="utf-8"?>
+<file path=ppt/slides/slide23.xml><?xml version="1.0" encoding="utf-8"?>
 <p:sld xmlns:a="http://schemas.openxmlformats.org/drawingml/2006/main" xmlns:r="http://schemas.openxmlformats.org/officeDocument/2006/relationships" xmlns:p="http://schemas.openxmlformats.org/presentationml/2006/main">
   <p:cSld>
     <p:spTree>
@@ -17517,7 +18725,7 @@
             </a:pPr>
             <a:fld id="{00000000-1234-1234-1234-123412341234}" type="slidenum">
               <a:rPr lang="en-US" altLang="ja-JP"/>
-              <a:t>22</a:t>
+              <a:t>23</a:t>
             </a:fld>
             <a:endParaRPr/>
           </a:p>
@@ -17608,7 +18816,7 @@
 </p:sld>
 </file>
 
-<file path=ppt/slides/slide23.xml><?xml version="1.0" encoding="utf-8"?>
+<file path=ppt/slides/slide24.xml><?xml version="1.0" encoding="utf-8"?>
 <p:sld xmlns:a="http://schemas.openxmlformats.org/drawingml/2006/main" xmlns:r="http://schemas.openxmlformats.org/officeDocument/2006/relationships" xmlns:p="http://schemas.openxmlformats.org/presentationml/2006/main">
   <p:cSld>
     <p:spTree>
@@ -17723,7 +18931,7 @@
             </a:pPr>
             <a:fld id="{00000000-1234-1234-1234-123412341234}" type="slidenum">
               <a:rPr lang="en-US" altLang="ja-JP"/>
-              <a:t>23</a:t>
+              <a:t>24</a:t>
             </a:fld>
             <a:endParaRPr/>
           </a:p>
@@ -17814,7 +19022,7 @@
 </p:sld>
 </file>
 
-<file path=ppt/slides/slide24.xml><?xml version="1.0" encoding="utf-8"?>
+<file path=ppt/slides/slide25.xml><?xml version="1.0" encoding="utf-8"?>
 <p:sld xmlns:a="http://schemas.openxmlformats.org/drawingml/2006/main" xmlns:r="http://schemas.openxmlformats.org/officeDocument/2006/relationships" xmlns:p="http://schemas.openxmlformats.org/presentationml/2006/main">
   <p:cSld>
     <p:spTree>
@@ -17929,7 +19137,7 @@
             </a:pPr>
             <a:fld id="{00000000-1234-1234-1234-123412341234}" type="slidenum">
               <a:rPr lang="en-US" altLang="ja-JP"/>
-              <a:t>24</a:t>
+              <a:t>25</a:t>
             </a:fld>
             <a:endParaRPr/>
           </a:p>
@@ -18020,7 +19228,7 @@
 </p:sld>
 </file>
 
-<file path=ppt/slides/slide25.xml><?xml version="1.0" encoding="utf-8"?>
+<file path=ppt/slides/slide26.xml><?xml version="1.0" encoding="utf-8"?>
 <p:sld xmlns:a="http://schemas.openxmlformats.org/drawingml/2006/main" xmlns:r="http://schemas.openxmlformats.org/officeDocument/2006/relationships" xmlns:p="http://schemas.openxmlformats.org/presentationml/2006/main">
   <p:cSld>
     <p:spTree>
@@ -18135,7 +19343,7 @@
             </a:pPr>
             <a:fld id="{00000000-1234-1234-1234-123412341234}" type="slidenum">
               <a:rPr lang="en-US" altLang="ja-JP"/>
-              <a:t>25</a:t>
+              <a:t>26</a:t>
             </a:fld>
             <a:endParaRPr/>
           </a:p>
@@ -18226,7 +19434,7 @@
 </p:sld>
 </file>
 
-<file path=ppt/slides/slide26.xml><?xml version="1.0" encoding="utf-8"?>
+<file path=ppt/slides/slide27.xml><?xml version="1.0" encoding="utf-8"?>
 <p:sld xmlns:a="http://schemas.openxmlformats.org/drawingml/2006/main" xmlns:r="http://schemas.openxmlformats.org/officeDocument/2006/relationships" xmlns:p="http://schemas.openxmlformats.org/presentationml/2006/main">
   <p:cSld>
     <p:spTree>
@@ -18359,7 +19567,7 @@
             </a:pPr>
             <a:fld id="{00000000-1234-1234-1234-123412341234}" type="slidenum">
               <a:rPr lang="en-US" altLang="ja-JP"/>
-              <a:t>26</a:t>
+              <a:t>27</a:t>
             </a:fld>
             <a:endParaRPr/>
           </a:p>
@@ -18434,7 +19642,7 @@
 </p:sld>
 </file>
 
-<file path=ppt/slides/slide27.xml><?xml version="1.0" encoding="utf-8"?>
+<file path=ppt/slides/slide28.xml><?xml version="1.0" encoding="utf-8"?>
 <p:sld xmlns:a="http://schemas.openxmlformats.org/drawingml/2006/main" xmlns:r="http://schemas.openxmlformats.org/officeDocument/2006/relationships" xmlns:p="http://schemas.openxmlformats.org/presentationml/2006/main">
   <p:cSld>
     <p:spTree>
@@ -18464,6 +19672,213 @@
   <p:cSld>
     <p:spTree>
       <p:nvGrpSpPr>
+        <p:cNvPr id="1" name="Shape 47"/>
+        <p:cNvGrpSpPr/>
+        <p:nvPr/>
+      </p:nvGrpSpPr>
+      <p:grpSpPr>
+        <a:xfrm>
+          <a:off x="0" y="0"/>
+          <a:ext cx="0" cy="0"/>
+          <a:chOff x="0" y="0"/>
+          <a:chExt cx="0" cy="0"/>
+        </a:xfrm>
+      </p:grpSpPr>
+      <p:sp>
+        <p:nvSpPr>
+          <p:cNvPr id="48" name="Google Shape;48;p2"/>
+          <p:cNvSpPr txBox="1">
+            <a:spLocks noGrp="1"/>
+          </p:cNvSpPr>
+          <p:nvPr>
+            <p:ph type="title"/>
+          </p:nvPr>
+        </p:nvSpPr>
+        <p:spPr>
+          <a:xfrm>
+            <a:off x="374848" y="250430"/>
+            <a:ext cx="8229600" cy="462900"/>
+          </a:xfrm>
+          <a:prstGeom prst="rect">
+            <a:avLst/>
+          </a:prstGeom>
+          <a:noFill/>
+          <a:ln>
+            <a:noFill/>
+          </a:ln>
+        </p:spPr>
+        <p:txBody>
+          <a:bodyPr spcFirstLastPara="1" wrap="square" lIns="91425" tIns="45700" rIns="91425" bIns="45700" anchor="ctr" anchorCtr="0">
+            <a:noAutofit/>
+          </a:bodyPr>
+          <a:lstStyle/>
+          <a:p>
+            <a:pPr marL="0" lvl="0" indent="0" algn="l" rtl="0">
+              <a:lnSpc>
+                <a:spcPct val="100000"/>
+              </a:lnSpc>
+              <a:spcBef>
+                <a:spcPts val="0"/>
+              </a:spcBef>
+              <a:spcAft>
+                <a:spcPts val="0"/>
+              </a:spcAft>
+              <a:buSzPts val="3200"/>
+              <a:buNone/>
+            </a:pPr>
+            <a:r>
+              <a:rPr lang="ja-JP"/>
+              <a:t>用語</a:t>
+            </a:r>
+            <a:endParaRPr/>
+          </a:p>
+        </p:txBody>
+      </p:sp>
+      <p:sp>
+        <p:nvSpPr>
+          <p:cNvPr id="49" name="Google Shape;49;p2"/>
+          <p:cNvSpPr txBox="1">
+            <a:spLocks noGrp="1"/>
+          </p:cNvSpPr>
+          <p:nvPr>
+            <p:ph type="body" idx="1"/>
+          </p:nvPr>
+        </p:nvSpPr>
+        <p:spPr>
+          <a:xfrm>
+            <a:off x="374848" y="843559"/>
+            <a:ext cx="8229600" cy="3394500"/>
+          </a:xfrm>
+          <a:prstGeom prst="rect">
+            <a:avLst/>
+          </a:prstGeom>
+          <a:noFill/>
+          <a:ln>
+            <a:noFill/>
+          </a:ln>
+        </p:spPr>
+        <p:txBody>
+          <a:bodyPr spcFirstLastPara="1" wrap="square" lIns="91425" tIns="45700" rIns="91425" bIns="45700" anchor="t" anchorCtr="0">
+            <a:noAutofit/>
+          </a:bodyPr>
+          <a:lstStyle/>
+          <a:p>
+            <a:pPr marL="0" lvl="0" indent="0" algn="l" rtl="0">
+              <a:lnSpc>
+                <a:spcPct val="100000"/>
+              </a:lnSpc>
+              <a:spcBef>
+                <a:spcPts val="640"/>
+              </a:spcBef>
+              <a:spcAft>
+                <a:spcPts val="0"/>
+              </a:spcAft>
+              <a:buSzPts val="3200"/>
+              <a:buNone/>
+            </a:pPr>
+            <a:r>
+              <a:rPr lang="ja-JP"/>
+              <a:t>・ブラウザ: webサイトを閲覧するソフト、chrome,firefox,safari</a:t>
+            </a:r>
+            <a:endParaRPr/>
+          </a:p>
+          <a:p>
+            <a:pPr marL="0" lvl="0" indent="0" algn="l" rtl="0">
+              <a:lnSpc>
+                <a:spcPct val="100000"/>
+              </a:lnSpc>
+              <a:spcBef>
+                <a:spcPts val="640"/>
+              </a:spcBef>
+              <a:spcAft>
+                <a:spcPts val="0"/>
+              </a:spcAft>
+              <a:buSzPts val="3200"/>
+              <a:buNone/>
+            </a:pPr>
+            <a:r>
+              <a:rPr lang="ja-JP"/>
+              <a:t>・サーバー: webサイトのデータを持っているコンピューター。</a:t>
+            </a:r>
+            <a:r>
+              <a:rPr lang="ja-JP">
+                <a:solidFill>
+                  <a:schemeClr val="accent1"/>
+                </a:solidFill>
+              </a:rPr>
+              <a:t>サーバーという言葉の雰囲気を掴むことが大事。serveは日本語で提供するという意味を持つ。</a:t>
+            </a:r>
+            <a:endParaRPr>
+              <a:solidFill>
+                <a:schemeClr val="accent1"/>
+              </a:solidFill>
+            </a:endParaRPr>
+          </a:p>
+        </p:txBody>
+      </p:sp>
+      <p:sp>
+        <p:nvSpPr>
+          <p:cNvPr id="50" name="Google Shape;50;p2"/>
+          <p:cNvSpPr txBox="1">
+            <a:spLocks noGrp="1"/>
+          </p:cNvSpPr>
+          <p:nvPr>
+            <p:ph type="sldNum" idx="12"/>
+          </p:nvPr>
+        </p:nvSpPr>
+        <p:spPr>
+          <a:xfrm>
+            <a:off x="6902896" y="4836189"/>
+            <a:ext cx="2133600" cy="273900"/>
+          </a:xfrm>
+          <a:prstGeom prst="rect">
+            <a:avLst/>
+          </a:prstGeom>
+          <a:noFill/>
+          <a:ln>
+            <a:noFill/>
+          </a:ln>
+        </p:spPr>
+        <p:txBody>
+          <a:bodyPr spcFirstLastPara="1" wrap="square" lIns="91425" tIns="45700" rIns="91425" bIns="45700" anchor="ctr" anchorCtr="0">
+            <a:noAutofit/>
+          </a:bodyPr>
+          <a:lstStyle/>
+          <a:p>
+            <a:pPr marL="0" lvl="0" indent="0" algn="r" rtl="0">
+              <a:lnSpc>
+                <a:spcPct val="100000"/>
+              </a:lnSpc>
+              <a:spcBef>
+                <a:spcPts val="0"/>
+              </a:spcBef>
+              <a:spcAft>
+                <a:spcPts val="0"/>
+              </a:spcAft>
+              <a:buSzPts val="1100"/>
+              <a:buNone/>
+            </a:pPr>
+            <a:fld id="{00000000-1234-1234-1234-123412341234}" type="slidenum">
+              <a:rPr lang="en-US" altLang="ja-JP"/>
+              <a:t>3</a:t>
+            </a:fld>
+            <a:endParaRPr/>
+          </a:p>
+        </p:txBody>
+      </p:sp>
+    </p:spTree>
+  </p:cSld>
+  <p:clrMapOvr>
+    <a:masterClrMapping/>
+  </p:clrMapOvr>
+</p:sld>
+</file>
+
+<file path=ppt/slides/slide4.xml><?xml version="1.0" encoding="utf-8"?>
+<p:sld xmlns:a="http://schemas.openxmlformats.org/drawingml/2006/main" xmlns:r="http://schemas.openxmlformats.org/officeDocument/2006/relationships" xmlns:p="http://schemas.openxmlformats.org/presentationml/2006/main">
+  <p:cSld>
+    <p:spTree>
+      <p:nvGrpSpPr>
         <p:cNvPr id="1" name="Shape 55"/>
         <p:cNvGrpSpPr/>
         <p:nvPr/>
@@ -18626,7 +20041,7 @@
             </a:pPr>
             <a:fld id="{00000000-1234-1234-1234-123412341234}" type="slidenum">
               <a:rPr lang="en-US" altLang="ja-JP"/>
-              <a:t>3</a:t>
+              <a:t>4</a:t>
             </a:fld>
             <a:endParaRPr/>
           </a:p>
@@ -18690,7 +20105,7 @@
 </p:sld>
 </file>
 
-<file path=ppt/slides/slide4.xml><?xml version="1.0" encoding="utf-8"?>
+<file path=ppt/slides/slide5.xml><?xml version="1.0" encoding="utf-8"?>
 <p:sld xmlns:a="http://schemas.openxmlformats.org/drawingml/2006/main" xmlns:r="http://schemas.openxmlformats.org/officeDocument/2006/relationships" xmlns:p="http://schemas.openxmlformats.org/presentationml/2006/main">
   <p:cSld>
     <p:spTree>
@@ -18925,7 +20340,7 @@
             </a:pPr>
             <a:fld id="{00000000-1234-1234-1234-123412341234}" type="slidenum">
               <a:rPr lang="en-US" altLang="ja-JP"/>
-              <a:t>4</a:t>
+              <a:t>5</a:t>
             </a:fld>
             <a:endParaRPr/>
           </a:p>
@@ -18989,7 +20404,7 @@
 </p:sld>
 </file>
 
-<file path=ppt/slides/slide5.xml><?xml version="1.0" encoding="utf-8"?>
+<file path=ppt/slides/slide6.xml><?xml version="1.0" encoding="utf-8"?>
 <p:sld xmlns:a="http://schemas.openxmlformats.org/drawingml/2006/main" xmlns:r="http://schemas.openxmlformats.org/officeDocument/2006/relationships" xmlns:p="http://schemas.openxmlformats.org/presentationml/2006/main">
   <p:cSld>
     <p:spTree>
@@ -19100,7 +20515,7 @@
             </a:pPr>
             <a:fld id="{00000000-1234-1234-1234-123412341234}" type="slidenum">
               <a:rPr lang="en-US" altLang="ja-JP"/>
-              <a:t>5</a:t>
+              <a:t>6</a:t>
             </a:fld>
             <a:endParaRPr/>
           </a:p>
@@ -19559,7 +20974,7 @@
 </p:sld>
 </file>
 
-<file path=ppt/slides/slide6.xml><?xml version="1.0" encoding="utf-8"?>
+<file path=ppt/slides/slide7.xml><?xml version="1.0" encoding="utf-8"?>
 <p:sld xmlns:a="http://schemas.openxmlformats.org/drawingml/2006/main" xmlns:r="http://schemas.openxmlformats.org/officeDocument/2006/relationships" xmlns:p="http://schemas.openxmlformats.org/presentationml/2006/main">
   <p:cSld>
     <p:spTree>
@@ -19852,7 +21267,7 @@
 </p:sld>
 </file>
 
-<file path=ppt/slides/slide7.xml><?xml version="1.0" encoding="utf-8"?>
+<file path=ppt/slides/slide8.xml><?xml version="1.0" encoding="utf-8"?>
 <p:sld xmlns:a="http://schemas.openxmlformats.org/drawingml/2006/main" xmlns:r="http://schemas.openxmlformats.org/officeDocument/2006/relationships" xmlns:p="http://schemas.openxmlformats.org/presentationml/2006/main">
   <p:cSld>
     <p:spTree>
@@ -19968,7 +21383,7 @@
             </a:pPr>
             <a:fld id="{00000000-1234-1234-1234-123412341234}" type="slidenum">
               <a:rPr lang="en-US" altLang="ja-JP"/>
-              <a:t>7</a:t>
+              <a:t>8</a:t>
             </a:fld>
             <a:endParaRPr/>
           </a:p>
@@ -20549,7 +21964,7 @@
 </p:sld>
 </file>
 
-<file path=ppt/slides/slide8.xml><?xml version="1.0" encoding="utf-8"?>
+<file path=ppt/slides/slide9.xml><?xml version="1.0" encoding="utf-8"?>
 <p:sld xmlns:a="http://schemas.openxmlformats.org/drawingml/2006/main" xmlns:r="http://schemas.openxmlformats.org/officeDocument/2006/relationships" xmlns:p="http://schemas.openxmlformats.org/presentationml/2006/main">
   <p:cSld>
     <p:spTree>
@@ -20665,7 +22080,7 @@
             </a:pPr>
             <a:fld id="{00000000-1234-1234-1234-123412341234}" type="slidenum">
               <a:rPr lang="en-US" altLang="ja-JP"/>
-              <a:t>8</a:t>
+              <a:t>9</a:t>
             </a:fld>
             <a:endParaRPr/>
           </a:p>
@@ -21397,1067 +22812,6 @@
                                         </p:cTn>
                                         <p:tgtEl>
                                           <p:spTgt spid="110"/>
-                                        </p:tgtEl>
-                                        <p:attrNameLst>
-                                          <p:attrName>style.visibility</p:attrName>
-                                        </p:attrNameLst>
-                                      </p:cBhvr>
-                                      <p:to>
-                                        <p:strVal val="visible"/>
-                                      </p:to>
-                                    </p:set>
-                                  </p:childTnLst>
-                                </p:cTn>
-                              </p:par>
-                            </p:childTnLst>
-                          </p:cTn>
-                        </p:par>
-                      </p:childTnLst>
-                    </p:cTn>
-                  </p:par>
-                </p:childTnLst>
-              </p:cTn>
-              <p:prevCondLst>
-                <p:cond evt="onPrev" delay="0">
-                  <p:tgtEl>
-                    <p:sldTgt/>
-                  </p:tgtEl>
-                </p:cond>
-              </p:prevCondLst>
-              <p:nextCondLst>
-                <p:cond evt="onNext" delay="0">
-                  <p:tgtEl>
-                    <p:sldTgt/>
-                  </p:tgtEl>
-                </p:cond>
-              </p:nextCondLst>
-            </p:seq>
-          </p:childTnLst>
-        </p:cTn>
-      </p:par>
-    </p:tnLst>
-  </p:timing>
-</p:sld>
-</file>
-
-<file path=ppt/slides/slide9.xml><?xml version="1.0" encoding="utf-8"?>
-<p:sld xmlns:a="http://schemas.openxmlformats.org/drawingml/2006/main" xmlns:r="http://schemas.openxmlformats.org/officeDocument/2006/relationships" xmlns:p="http://schemas.openxmlformats.org/presentationml/2006/main">
-  <p:cSld>
-    <p:spTree>
-      <p:nvGrpSpPr>
-        <p:cNvPr id="1" name="Shape 119"/>
-        <p:cNvGrpSpPr/>
-        <p:nvPr/>
-      </p:nvGrpSpPr>
-      <p:grpSpPr>
-        <a:xfrm>
-          <a:off x="0" y="0"/>
-          <a:ext cx="0" cy="0"/>
-          <a:chOff x="0" y="0"/>
-          <a:chExt cx="0" cy="0"/>
-        </a:xfrm>
-      </p:grpSpPr>
-      <p:sp>
-        <p:nvSpPr>
-          <p:cNvPr id="120" name="Google Shape;120;p9"/>
-          <p:cNvSpPr txBox="1">
-            <a:spLocks noGrp="1"/>
-          </p:cNvSpPr>
-          <p:nvPr>
-            <p:ph type="title"/>
-          </p:nvPr>
-        </p:nvSpPr>
-        <p:spPr>
-          <a:xfrm>
-            <a:off x="374848" y="250430"/>
-            <a:ext cx="8229600" cy="462900"/>
-          </a:xfrm>
-          <a:prstGeom prst="rect">
-            <a:avLst/>
-          </a:prstGeom>
-          <a:noFill/>
-          <a:ln>
-            <a:noFill/>
-          </a:ln>
-        </p:spPr>
-        <p:txBody>
-          <a:bodyPr spcFirstLastPara="1" wrap="square" lIns="91425" tIns="45700" rIns="91425" bIns="45700" anchor="ctr" anchorCtr="0">
-            <a:noAutofit/>
-          </a:bodyPr>
-          <a:lstStyle/>
-          <a:p>
-            <a:pPr marL="0" lvl="0" indent="0" algn="l" rtl="0">
-              <a:lnSpc>
-                <a:spcPct val="100000"/>
-              </a:lnSpc>
-              <a:spcBef>
-                <a:spcPts val="0"/>
-              </a:spcBef>
-              <a:spcAft>
-                <a:spcPts val="0"/>
-              </a:spcAft>
-              <a:buSzPts val="3200"/>
-              <a:buNone/>
-            </a:pPr>
-            <a:r>
-              <a:rPr lang="ja-JP">
-                <a:latin typeface="Calibri"/>
-                <a:ea typeface="Calibri"/>
-                <a:cs typeface="Calibri"/>
-                <a:sym typeface="Calibri"/>
-              </a:rPr>
-              <a:t>3.ブラウザがそのデータを(いい感じに整えて)、画面に表示する</a:t>
-            </a:r>
-            <a:endParaRPr/>
-          </a:p>
-        </p:txBody>
-      </p:sp>
-      <p:sp>
-        <p:nvSpPr>
-          <p:cNvPr id="121" name="Google Shape;121;p9"/>
-          <p:cNvSpPr txBox="1">
-            <a:spLocks noGrp="1"/>
-          </p:cNvSpPr>
-          <p:nvPr>
-            <p:ph type="sldNum" idx="12"/>
-          </p:nvPr>
-        </p:nvSpPr>
-        <p:spPr>
-          <a:xfrm>
-            <a:off x="6902896" y="4836189"/>
-            <a:ext cx="2133600" cy="273900"/>
-          </a:xfrm>
-          <a:prstGeom prst="rect">
-            <a:avLst/>
-          </a:prstGeom>
-          <a:noFill/>
-          <a:ln>
-            <a:noFill/>
-          </a:ln>
-        </p:spPr>
-        <p:txBody>
-          <a:bodyPr spcFirstLastPara="1" wrap="square" lIns="91425" tIns="45700" rIns="91425" bIns="45700" anchor="ctr" anchorCtr="0">
-            <a:noAutofit/>
-          </a:bodyPr>
-          <a:lstStyle/>
-          <a:p>
-            <a:pPr marL="0" lvl="0" indent="0" algn="r" rtl="0">
-              <a:lnSpc>
-                <a:spcPct val="100000"/>
-              </a:lnSpc>
-              <a:spcBef>
-                <a:spcPts val="0"/>
-              </a:spcBef>
-              <a:spcAft>
-                <a:spcPts val="0"/>
-              </a:spcAft>
-              <a:buSzPts val="1100"/>
-              <a:buNone/>
-            </a:pPr>
-            <a:fld id="{00000000-1234-1234-1234-123412341234}" type="slidenum">
-              <a:rPr lang="en-US" altLang="ja-JP"/>
-              <a:t>9</a:t>
-            </a:fld>
-            <a:endParaRPr/>
-          </a:p>
-        </p:txBody>
-      </p:sp>
-      <p:sp>
-        <p:nvSpPr>
-          <p:cNvPr id="122" name="Google Shape;122;p9"/>
-          <p:cNvSpPr txBox="1">
-            <a:spLocks noGrp="1"/>
-          </p:cNvSpPr>
-          <p:nvPr>
-            <p:ph type="ftr" idx="11"/>
-          </p:nvPr>
-        </p:nvSpPr>
-        <p:spPr>
-          <a:xfrm>
-            <a:off x="3124200" y="4836189"/>
-            <a:ext cx="2895600" cy="273900"/>
-          </a:xfrm>
-          <a:prstGeom prst="rect">
-            <a:avLst/>
-          </a:prstGeom>
-          <a:noFill/>
-          <a:ln>
-            <a:noFill/>
-          </a:ln>
-        </p:spPr>
-        <p:txBody>
-          <a:bodyPr spcFirstLastPara="1" wrap="square" lIns="91425" tIns="45700" rIns="91425" bIns="45700" anchor="ctr" anchorCtr="0">
-            <a:noAutofit/>
-          </a:bodyPr>
-          <a:lstStyle/>
-          <a:p>
-            <a:pPr marL="0" lvl="0" indent="0" algn="ctr" rtl="0">
-              <a:lnSpc>
-                <a:spcPct val="100000"/>
-              </a:lnSpc>
-              <a:spcBef>
-                <a:spcPts val="0"/>
-              </a:spcBef>
-              <a:spcAft>
-                <a:spcPts val="0"/>
-              </a:spcAft>
-              <a:buSzPts val="1400"/>
-              <a:buNone/>
-            </a:pPr>
-            <a:r>
-              <a:rPr lang="ja-JP"/>
-              <a:t>Copyright © UNIRITA Inc. All rights reserved.</a:t>
-            </a:r>
-            <a:endParaRPr/>
-          </a:p>
-        </p:txBody>
-      </p:sp>
-      <p:pic>
-        <p:nvPicPr>
-          <p:cNvPr id="123" name="Google Shape;123;p9"/>
-          <p:cNvPicPr preferRelativeResize="0"/>
-          <p:nvPr/>
-        </p:nvPicPr>
-        <p:blipFill rotWithShape="1">
-          <a:blip r:embed="rId3">
-            <a:alphaModFix/>
-          </a:blip>
-          <a:srcRect/>
-          <a:stretch/>
-        </p:blipFill>
-        <p:spPr>
-          <a:xfrm>
-            <a:off x="446650" y="1215750"/>
-            <a:ext cx="2438400" cy="2438400"/>
-          </a:xfrm>
-          <a:prstGeom prst="rect">
-            <a:avLst/>
-          </a:prstGeom>
-          <a:noFill/>
-          <a:ln>
-            <a:noFill/>
-          </a:ln>
-        </p:spPr>
-      </p:pic>
-      <p:pic>
-        <p:nvPicPr>
-          <p:cNvPr id="124" name="Google Shape;124;p9"/>
-          <p:cNvPicPr preferRelativeResize="0"/>
-          <p:nvPr/>
-        </p:nvPicPr>
-        <p:blipFill rotWithShape="1">
-          <a:blip r:embed="rId4">
-            <a:alphaModFix/>
-          </a:blip>
-          <a:srcRect/>
-          <a:stretch/>
-        </p:blipFill>
-        <p:spPr>
-          <a:xfrm>
-            <a:off x="5140300" y="1200142"/>
-            <a:ext cx="2438400" cy="2438400"/>
-          </a:xfrm>
-          <a:prstGeom prst="rect">
-            <a:avLst/>
-          </a:prstGeom>
-          <a:noFill/>
-          <a:ln>
-            <a:noFill/>
-          </a:ln>
-        </p:spPr>
-      </p:pic>
-      <p:sp>
-        <p:nvSpPr>
-          <p:cNvPr id="125" name="Google Shape;125;p9"/>
-          <p:cNvSpPr/>
-          <p:nvPr/>
-        </p:nvSpPr>
-        <p:spPr>
-          <a:xfrm>
-            <a:off x="3126275" y="1159525"/>
-            <a:ext cx="1958400" cy="733200"/>
-          </a:xfrm>
-          <a:prstGeom prst="rightArrow">
-            <a:avLst>
-              <a:gd name="adj1" fmla="val 50000"/>
-              <a:gd name="adj2" fmla="val 50000"/>
-            </a:avLst>
-          </a:prstGeom>
-          <a:solidFill>
-            <a:schemeClr val="accent1"/>
-          </a:solidFill>
-          <a:ln w="9525" cap="flat" cmpd="sng">
-            <a:solidFill>
-              <a:schemeClr val="dk2"/>
-            </a:solidFill>
-            <a:prstDash val="solid"/>
-            <a:round/>
-            <a:headEnd type="none" w="sm" len="sm"/>
-            <a:tailEnd type="none" w="sm" len="sm"/>
-          </a:ln>
-        </p:spPr>
-        <p:txBody>
-          <a:bodyPr spcFirstLastPara="1" wrap="square" lIns="91425" tIns="91425" rIns="91425" bIns="91425" anchor="ctr" anchorCtr="0">
-            <a:noAutofit/>
-          </a:bodyPr>
-          <a:lstStyle/>
-          <a:p>
-            <a:pPr marL="0" marR="0" lvl="0" indent="0" algn="ctr" rtl="0">
-              <a:lnSpc>
-                <a:spcPct val="100000"/>
-              </a:lnSpc>
-              <a:spcBef>
-                <a:spcPts val="0"/>
-              </a:spcBef>
-              <a:spcAft>
-                <a:spcPts val="0"/>
-              </a:spcAft>
-              <a:buClr>
-                <a:srgbClr val="000000"/>
-              </a:buClr>
-              <a:buSzPts val="1400"/>
-              <a:buFont typeface="Arial"/>
-              <a:buNone/>
-            </a:pPr>
-            <a:r>
-              <a:rPr lang="ja-JP" sz="1400" b="0" i="0" u="none" strike="noStrike" cap="none">
-                <a:solidFill>
-                  <a:srgbClr val="000000"/>
-                </a:solidFill>
-                <a:latin typeface="Calibri"/>
-                <a:ea typeface="Calibri"/>
-                <a:cs typeface="Calibri"/>
-                <a:sym typeface="Calibri"/>
-              </a:rPr>
-              <a:t>リクエスト</a:t>
-            </a:r>
-            <a:endParaRPr sz="1400" b="0" i="0" u="none" strike="noStrike" cap="none">
-              <a:solidFill>
-                <a:srgbClr val="000000"/>
-              </a:solidFill>
-              <a:latin typeface="Calibri"/>
-              <a:ea typeface="Calibri"/>
-              <a:cs typeface="Calibri"/>
-              <a:sym typeface="Calibri"/>
-            </a:endParaRPr>
-          </a:p>
-        </p:txBody>
-      </p:sp>
-      <p:sp>
-        <p:nvSpPr>
-          <p:cNvPr id="126" name="Google Shape;126;p9"/>
-          <p:cNvSpPr/>
-          <p:nvPr/>
-        </p:nvSpPr>
-        <p:spPr>
-          <a:xfrm>
-            <a:off x="2950625" y="2571750"/>
-            <a:ext cx="1714500" cy="660900"/>
-          </a:xfrm>
-          <a:prstGeom prst="leftArrow">
-            <a:avLst>
-              <a:gd name="adj1" fmla="val 50000"/>
-              <a:gd name="adj2" fmla="val 50000"/>
-            </a:avLst>
-          </a:prstGeom>
-          <a:solidFill>
-            <a:schemeClr val="accent1"/>
-          </a:solidFill>
-          <a:ln w="9525" cap="flat" cmpd="sng">
-            <a:solidFill>
-              <a:schemeClr val="dk2"/>
-            </a:solidFill>
-            <a:prstDash val="solid"/>
-            <a:round/>
-            <a:headEnd type="none" w="sm" len="sm"/>
-            <a:tailEnd type="none" w="sm" len="sm"/>
-          </a:ln>
-        </p:spPr>
-        <p:txBody>
-          <a:bodyPr spcFirstLastPara="1" wrap="square" lIns="91425" tIns="91425" rIns="91425" bIns="91425" anchor="ctr" anchorCtr="0">
-            <a:noAutofit/>
-          </a:bodyPr>
-          <a:lstStyle/>
-          <a:p>
-            <a:pPr marL="0" marR="0" lvl="0" indent="0" algn="ctr" rtl="0">
-              <a:lnSpc>
-                <a:spcPct val="100000"/>
-              </a:lnSpc>
-              <a:spcBef>
-                <a:spcPts val="0"/>
-              </a:spcBef>
-              <a:spcAft>
-                <a:spcPts val="0"/>
-              </a:spcAft>
-              <a:buClr>
-                <a:srgbClr val="000000"/>
-              </a:buClr>
-              <a:buSzPts val="1400"/>
-              <a:buFont typeface="Arial"/>
-              <a:buNone/>
-            </a:pPr>
-            <a:endParaRPr sz="1400" b="0" i="0" u="none" strike="noStrike" cap="none">
-              <a:solidFill>
-                <a:srgbClr val="000000"/>
-              </a:solidFill>
-              <a:latin typeface="Calibri"/>
-              <a:ea typeface="Calibri"/>
-              <a:cs typeface="Calibri"/>
-              <a:sym typeface="Calibri"/>
-            </a:endParaRPr>
-          </a:p>
-        </p:txBody>
-      </p:sp>
-      <p:cxnSp>
-        <p:nvCxnSpPr>
-          <p:cNvPr id="127" name="Google Shape;127;p9"/>
-          <p:cNvCxnSpPr/>
-          <p:nvPr/>
-        </p:nvCxnSpPr>
-        <p:spPr>
-          <a:xfrm>
-            <a:off x="2885050" y="2434950"/>
-            <a:ext cx="2067600" cy="0"/>
-          </a:xfrm>
-          <a:prstGeom prst="straightConnector1">
-            <a:avLst/>
-          </a:prstGeom>
-          <a:noFill/>
-          <a:ln w="9525" cap="flat" cmpd="sng">
-            <a:solidFill>
-              <a:schemeClr val="dk2"/>
-            </a:solidFill>
-            <a:prstDash val="solid"/>
-            <a:round/>
-            <a:headEnd type="triangle" w="med" len="med"/>
-            <a:tailEnd type="triangle" w="med" len="med"/>
-          </a:ln>
-        </p:spPr>
-      </p:cxnSp>
-      <p:sp>
-        <p:nvSpPr>
-          <p:cNvPr id="128" name="Google Shape;128;p9"/>
-          <p:cNvSpPr txBox="1"/>
-          <p:nvPr/>
-        </p:nvSpPr>
-        <p:spPr>
-          <a:xfrm>
-            <a:off x="3307825" y="2042600"/>
-            <a:ext cx="1264200" cy="386700"/>
-          </a:xfrm>
-          <a:prstGeom prst="rect">
-            <a:avLst/>
-          </a:prstGeom>
-          <a:noFill/>
-          <a:ln>
-            <a:noFill/>
-          </a:ln>
-        </p:spPr>
-        <p:txBody>
-          <a:bodyPr spcFirstLastPara="1" wrap="square" lIns="91425" tIns="91425" rIns="91425" bIns="91425" anchor="t" anchorCtr="0">
-            <a:noAutofit/>
-          </a:bodyPr>
-          <a:lstStyle/>
-          <a:p>
-            <a:pPr marL="0" marR="0" lvl="0" indent="0" algn="l" rtl="0">
-              <a:lnSpc>
-                <a:spcPct val="100000"/>
-              </a:lnSpc>
-              <a:spcBef>
-                <a:spcPts val="0"/>
-              </a:spcBef>
-              <a:spcAft>
-                <a:spcPts val="0"/>
-              </a:spcAft>
-              <a:buClr>
-                <a:srgbClr val="000000"/>
-              </a:buClr>
-              <a:buSzPts val="1400"/>
-              <a:buFont typeface="Arial"/>
-              <a:buNone/>
-            </a:pPr>
-            <a:r>
-              <a:rPr lang="ja-JP" sz="1400" b="0" i="0" u="none" strike="noStrike" cap="none">
-                <a:solidFill>
-                  <a:schemeClr val="dk1"/>
-                </a:solidFill>
-                <a:latin typeface="Calibri"/>
-                <a:ea typeface="Calibri"/>
-                <a:cs typeface="Calibri"/>
-                <a:sym typeface="Calibri"/>
-              </a:rPr>
-              <a:t>物理的な距離</a:t>
-            </a:r>
-            <a:endParaRPr sz="1400" b="0" i="0" u="none" strike="noStrike" cap="none">
-              <a:solidFill>
-                <a:schemeClr val="dk1"/>
-              </a:solidFill>
-              <a:latin typeface="Calibri"/>
-              <a:ea typeface="Calibri"/>
-              <a:cs typeface="Calibri"/>
-              <a:sym typeface="Calibri"/>
-            </a:endParaRPr>
-          </a:p>
-        </p:txBody>
-      </p:sp>
-      <p:sp>
-        <p:nvSpPr>
-          <p:cNvPr id="129" name="Google Shape;129;p9"/>
-          <p:cNvSpPr/>
-          <p:nvPr/>
-        </p:nvSpPr>
-        <p:spPr>
-          <a:xfrm>
-            <a:off x="7653147" y="2276850"/>
-            <a:ext cx="1455300" cy="955800"/>
-          </a:xfrm>
-          <a:prstGeom prst="rect">
-            <a:avLst/>
-          </a:prstGeom>
-          <a:noFill/>
-          <a:ln w="9525" cap="flat" cmpd="sng">
-            <a:solidFill>
-              <a:schemeClr val="dk2"/>
-            </a:solidFill>
-            <a:prstDash val="solid"/>
-            <a:round/>
-            <a:headEnd type="none" w="sm" len="sm"/>
-            <a:tailEnd type="none" w="sm" len="sm"/>
-          </a:ln>
-        </p:spPr>
-        <p:txBody>
-          <a:bodyPr spcFirstLastPara="1" wrap="square" lIns="91425" tIns="91425" rIns="91425" bIns="91425" anchor="ctr" anchorCtr="0">
-            <a:noAutofit/>
-          </a:bodyPr>
-          <a:lstStyle/>
-          <a:p>
-            <a:pPr marL="0" marR="0" lvl="0" indent="0" algn="ctr" rtl="0">
-              <a:lnSpc>
-                <a:spcPct val="100000"/>
-              </a:lnSpc>
-              <a:spcBef>
-                <a:spcPts val="0"/>
-              </a:spcBef>
-              <a:spcAft>
-                <a:spcPts val="0"/>
-              </a:spcAft>
-              <a:buClr>
-                <a:srgbClr val="000000"/>
-              </a:buClr>
-              <a:buSzPts val="1400"/>
-              <a:buFont typeface="Arial"/>
-              <a:buNone/>
-            </a:pPr>
-            <a:r>
-              <a:rPr lang="ja-JP" sz="1400" b="0" i="0" u="none" strike="noStrike" cap="none">
-                <a:solidFill>
-                  <a:srgbClr val="000000"/>
-                </a:solidFill>
-                <a:latin typeface="Calibri"/>
-                <a:ea typeface="Calibri"/>
-                <a:cs typeface="Calibri"/>
-                <a:sym typeface="Calibri"/>
-              </a:rPr>
-              <a:t>データ</a:t>
-            </a:r>
-            <a:endParaRPr sz="1400" b="0" i="0" u="none" strike="noStrike" cap="none">
-              <a:solidFill>
-                <a:srgbClr val="000000"/>
-              </a:solidFill>
-              <a:latin typeface="Calibri"/>
-              <a:ea typeface="Calibri"/>
-              <a:cs typeface="Calibri"/>
-              <a:sym typeface="Calibri"/>
-            </a:endParaRPr>
-          </a:p>
-        </p:txBody>
-      </p:sp>
-      <p:sp>
-        <p:nvSpPr>
-          <p:cNvPr id="130" name="Google Shape;130;p9"/>
-          <p:cNvSpPr/>
-          <p:nvPr/>
-        </p:nvSpPr>
-        <p:spPr>
-          <a:xfrm>
-            <a:off x="1760972" y="3546425"/>
-            <a:ext cx="1455300" cy="955800"/>
-          </a:xfrm>
-          <a:prstGeom prst="rect">
-            <a:avLst/>
-          </a:prstGeom>
-          <a:noFill/>
-          <a:ln w="9525" cap="flat" cmpd="sng">
-            <a:solidFill>
-              <a:schemeClr val="dk2"/>
-            </a:solidFill>
-            <a:prstDash val="solid"/>
-            <a:round/>
-            <a:headEnd type="none" w="sm" len="sm"/>
-            <a:tailEnd type="none" w="sm" len="sm"/>
-          </a:ln>
-        </p:spPr>
-        <p:txBody>
-          <a:bodyPr spcFirstLastPara="1" wrap="square" lIns="91425" tIns="91425" rIns="91425" bIns="91425" anchor="ctr" anchorCtr="0">
-            <a:noAutofit/>
-          </a:bodyPr>
-          <a:lstStyle/>
-          <a:p>
-            <a:pPr marL="0" marR="0" lvl="0" indent="0" algn="ctr" rtl="0">
-              <a:lnSpc>
-                <a:spcPct val="100000"/>
-              </a:lnSpc>
-              <a:spcBef>
-                <a:spcPts val="0"/>
-              </a:spcBef>
-              <a:spcAft>
-                <a:spcPts val="0"/>
-              </a:spcAft>
-              <a:buClr>
-                <a:srgbClr val="000000"/>
-              </a:buClr>
-              <a:buSzPts val="1400"/>
-              <a:buFont typeface="Arial"/>
-              <a:buNone/>
-            </a:pPr>
-            <a:r>
-              <a:rPr lang="ja-JP" sz="1400" b="0" i="0" u="none" strike="noStrike" cap="none">
-                <a:solidFill>
-                  <a:srgbClr val="000000"/>
-                </a:solidFill>
-                <a:latin typeface="Calibri"/>
-                <a:ea typeface="Calibri"/>
-                <a:cs typeface="Calibri"/>
-                <a:sym typeface="Calibri"/>
-              </a:rPr>
-              <a:t>データ</a:t>
-            </a:r>
-            <a:endParaRPr sz="1400" b="0" i="0" u="none" strike="noStrike" cap="none">
-              <a:solidFill>
-                <a:srgbClr val="000000"/>
-              </a:solidFill>
-              <a:latin typeface="Calibri"/>
-              <a:ea typeface="Calibri"/>
-              <a:cs typeface="Calibri"/>
-              <a:sym typeface="Calibri"/>
-            </a:endParaRPr>
-          </a:p>
-        </p:txBody>
-      </p:sp>
-      <p:sp>
-        <p:nvSpPr>
-          <p:cNvPr id="131" name="Google Shape;131;p9"/>
-          <p:cNvSpPr/>
-          <p:nvPr/>
-        </p:nvSpPr>
-        <p:spPr>
-          <a:xfrm>
-            <a:off x="157900" y="3588125"/>
-            <a:ext cx="872400" cy="872400"/>
-          </a:xfrm>
-          <a:prstGeom prst="ellipse">
-            <a:avLst/>
-          </a:prstGeom>
-          <a:noFill/>
-          <a:ln w="9525" cap="flat" cmpd="sng">
-            <a:solidFill>
-              <a:schemeClr val="dk2"/>
-            </a:solidFill>
-            <a:prstDash val="solid"/>
-            <a:round/>
-            <a:headEnd type="none" w="sm" len="sm"/>
-            <a:tailEnd type="none" w="sm" len="sm"/>
-          </a:ln>
-        </p:spPr>
-        <p:txBody>
-          <a:bodyPr spcFirstLastPara="1" wrap="square" lIns="91425" tIns="91425" rIns="91425" bIns="91425" anchor="ctr" anchorCtr="0">
-            <a:noAutofit/>
-          </a:bodyPr>
-          <a:lstStyle/>
-          <a:p>
-            <a:pPr marL="0" marR="0" lvl="0" indent="0" algn="ctr" rtl="0">
-              <a:lnSpc>
-                <a:spcPct val="100000"/>
-              </a:lnSpc>
-              <a:spcBef>
-                <a:spcPts val="0"/>
-              </a:spcBef>
-              <a:spcAft>
-                <a:spcPts val="0"/>
-              </a:spcAft>
-              <a:buClr>
-                <a:srgbClr val="000000"/>
-              </a:buClr>
-              <a:buSzPts val="1400"/>
-              <a:buFont typeface="Arial"/>
-              <a:buNone/>
-            </a:pPr>
-            <a:r>
-              <a:rPr lang="ja-JP" sz="1400" b="0" i="0" u="none" strike="noStrike" cap="none">
-                <a:solidFill>
-                  <a:srgbClr val="000000"/>
-                </a:solidFill>
-                <a:latin typeface="Calibri"/>
-                <a:ea typeface="Calibri"/>
-                <a:cs typeface="Calibri"/>
-                <a:sym typeface="Calibri"/>
-              </a:rPr>
-              <a:t>ブラウザ</a:t>
-            </a:r>
-            <a:endParaRPr sz="1400" b="0" i="0" u="none" strike="noStrike" cap="none">
-              <a:solidFill>
-                <a:srgbClr val="000000"/>
-              </a:solidFill>
-              <a:latin typeface="Calibri"/>
-              <a:ea typeface="Calibri"/>
-              <a:cs typeface="Calibri"/>
-              <a:sym typeface="Calibri"/>
-            </a:endParaRPr>
-          </a:p>
-        </p:txBody>
-      </p:sp>
-      <p:sp>
-        <p:nvSpPr>
-          <p:cNvPr id="132" name="Google Shape;132;p9"/>
-          <p:cNvSpPr/>
-          <p:nvPr/>
-        </p:nvSpPr>
-        <p:spPr>
-          <a:xfrm>
-            <a:off x="1030300" y="3920200"/>
-            <a:ext cx="872400" cy="436200"/>
-          </a:xfrm>
-          <a:prstGeom prst="rightArrow">
-            <a:avLst>
-              <a:gd name="adj1" fmla="val 50000"/>
-              <a:gd name="adj2" fmla="val 50000"/>
-            </a:avLst>
-          </a:prstGeom>
-          <a:noFill/>
-          <a:ln w="9525" cap="flat" cmpd="sng">
-            <a:solidFill>
-              <a:schemeClr val="dk2"/>
-            </a:solidFill>
-            <a:prstDash val="solid"/>
-            <a:round/>
-            <a:headEnd type="none" w="sm" len="sm"/>
-            <a:tailEnd type="none" w="sm" len="sm"/>
-          </a:ln>
-        </p:spPr>
-        <p:txBody>
-          <a:bodyPr spcFirstLastPara="1" wrap="square" lIns="91425" tIns="91425" rIns="91425" bIns="91425" anchor="ctr" anchorCtr="0">
-            <a:noAutofit/>
-          </a:bodyPr>
-          <a:lstStyle/>
-          <a:p>
-            <a:pPr marL="0" marR="0" lvl="0" indent="0" algn="ctr" rtl="0">
-              <a:lnSpc>
-                <a:spcPct val="100000"/>
-              </a:lnSpc>
-              <a:spcBef>
-                <a:spcPts val="0"/>
-              </a:spcBef>
-              <a:spcAft>
-                <a:spcPts val="0"/>
-              </a:spcAft>
-              <a:buClr>
-                <a:srgbClr val="000000"/>
-              </a:buClr>
-              <a:buSzPts val="1400"/>
-              <a:buFont typeface="Arial"/>
-              <a:buNone/>
-            </a:pPr>
-            <a:r>
-              <a:rPr lang="ja-JP" sz="1400" b="0" i="0" u="none" strike="noStrike" cap="none">
-                <a:solidFill>
-                  <a:srgbClr val="000000"/>
-                </a:solidFill>
-                <a:latin typeface="Calibri"/>
-                <a:ea typeface="Calibri"/>
-                <a:cs typeface="Calibri"/>
-                <a:sym typeface="Calibri"/>
-              </a:rPr>
-              <a:t>いい感じに整える</a:t>
-            </a:r>
-            <a:endParaRPr sz="1400" b="0" i="0" u="none" strike="noStrike" cap="none">
-              <a:solidFill>
-                <a:srgbClr val="000000"/>
-              </a:solidFill>
-              <a:latin typeface="Calibri"/>
-              <a:ea typeface="Calibri"/>
-              <a:cs typeface="Calibri"/>
-              <a:sym typeface="Calibri"/>
-            </a:endParaRPr>
-          </a:p>
-        </p:txBody>
-      </p:sp>
-      <p:pic>
-        <p:nvPicPr>
-          <p:cNvPr id="133" name="Google Shape;133;p9"/>
-          <p:cNvPicPr preferRelativeResize="0"/>
-          <p:nvPr/>
-        </p:nvPicPr>
-        <p:blipFill rotWithShape="1">
-          <a:blip r:embed="rId5">
-            <a:alphaModFix/>
-          </a:blip>
-          <a:srcRect/>
-          <a:stretch/>
-        </p:blipFill>
-        <p:spPr>
-          <a:xfrm>
-            <a:off x="938200" y="1835325"/>
-            <a:ext cx="1455299" cy="643086"/>
-          </a:xfrm>
-          <a:prstGeom prst="rect">
-            <a:avLst/>
-          </a:prstGeom>
-          <a:noFill/>
-          <a:ln>
-            <a:noFill/>
-          </a:ln>
-          <a:effectLst>
-            <a:reflection endPos="30000" dist="38100" dir="5400000" fadeDir="5400012" sy="-100000" algn="bl" rotWithShape="0"/>
-          </a:effectLst>
-        </p:spPr>
-      </p:pic>
-      <p:sp>
-        <p:nvSpPr>
-          <p:cNvPr id="134" name="Google Shape;134;p9"/>
-          <p:cNvSpPr/>
-          <p:nvPr/>
-        </p:nvSpPr>
-        <p:spPr>
-          <a:xfrm rot="-4304234">
-            <a:off x="466136" y="2684051"/>
-            <a:ext cx="1357477" cy="436301"/>
-          </a:xfrm>
-          <a:prstGeom prst="rightArrow">
-            <a:avLst>
-              <a:gd name="adj1" fmla="val 50000"/>
-              <a:gd name="adj2" fmla="val 50000"/>
-            </a:avLst>
-          </a:prstGeom>
-          <a:solidFill>
-            <a:srgbClr val="FFFF00"/>
-          </a:solidFill>
-          <a:ln w="9525" cap="flat" cmpd="sng">
-            <a:solidFill>
-              <a:schemeClr val="dk2"/>
-            </a:solidFill>
-            <a:prstDash val="solid"/>
-            <a:round/>
-            <a:headEnd type="none" w="sm" len="sm"/>
-            <a:tailEnd type="none" w="sm" len="sm"/>
-          </a:ln>
-        </p:spPr>
-        <p:txBody>
-          <a:bodyPr spcFirstLastPara="1" wrap="square" lIns="91425" tIns="91425" rIns="91425" bIns="91425" anchor="ctr" anchorCtr="0">
-            <a:noAutofit/>
-          </a:bodyPr>
-          <a:lstStyle/>
-          <a:p>
-            <a:pPr marL="0" marR="0" lvl="0" indent="0" algn="ctr" rtl="0">
-              <a:lnSpc>
-                <a:spcPct val="100000"/>
-              </a:lnSpc>
-              <a:spcBef>
-                <a:spcPts val="0"/>
-              </a:spcBef>
-              <a:spcAft>
-                <a:spcPts val="0"/>
-              </a:spcAft>
-              <a:buClr>
-                <a:srgbClr val="000000"/>
-              </a:buClr>
-              <a:buSzPts val="1400"/>
-              <a:buFont typeface="Arial"/>
-              <a:buNone/>
-            </a:pPr>
-            <a:r>
-              <a:rPr lang="ja-JP" sz="1400" b="0" i="0" u="none" strike="noStrike" cap="none">
-                <a:solidFill>
-                  <a:srgbClr val="000000"/>
-                </a:solidFill>
-                <a:latin typeface="Calibri"/>
-                <a:ea typeface="Calibri"/>
-                <a:cs typeface="Calibri"/>
-                <a:sym typeface="Calibri"/>
-              </a:rPr>
-              <a:t>画面へ</a:t>
-            </a:r>
-            <a:endParaRPr sz="1400" b="0" i="0" u="none" strike="noStrike" cap="none">
-              <a:solidFill>
-                <a:srgbClr val="000000"/>
-              </a:solidFill>
-              <a:latin typeface="Calibri"/>
-              <a:ea typeface="Calibri"/>
-              <a:cs typeface="Calibri"/>
-              <a:sym typeface="Calibri"/>
-            </a:endParaRPr>
-          </a:p>
-        </p:txBody>
-      </p:sp>
-    </p:spTree>
-  </p:cSld>
-  <p:clrMapOvr>
-    <a:masterClrMapping/>
-  </p:clrMapOvr>
-  <p:timing>
-    <p:tnLst>
-      <p:par>
-        <p:cTn id="1" dur="indefinite" restart="never" nodeType="tmRoot">
-          <p:childTnLst>
-            <p:seq concurrent="1" nextAc="seek">
-              <p:cTn id="2" dur="indefinite" nodeType="mainSeq">
-                <p:childTnLst>
-                  <p:par>
-                    <p:cTn id="3" fill="hold">
-                      <p:stCondLst>
-                        <p:cond delay="indefinite"/>
-                        <p:cond evt="onBegin" delay="0">
-                          <p:tn val="2"/>
-                        </p:cond>
-                      </p:stCondLst>
-                      <p:childTnLst>
-                        <p:par>
-                          <p:cTn id="4" fill="hold">
-                            <p:stCondLst>
-                              <p:cond delay="0"/>
-                            </p:stCondLst>
-                            <p:childTnLst>
-                              <p:par>
-                                <p:cTn id="5" presetID="1" presetClass="entr" presetSubtype="0" fill="hold" nodeType="withEffect">
-                                  <p:stCondLst>
-                                    <p:cond delay="0"/>
-                                  </p:stCondLst>
-                                  <p:childTnLst>
-                                    <p:set>
-                                      <p:cBhvr>
-                                        <p:cTn id="6" dur="1" fill="hold">
-                                          <p:stCondLst>
-                                            <p:cond delay="0"/>
-                                          </p:stCondLst>
-                                        </p:cTn>
-                                        <p:tgtEl>
-                                          <p:spTgt spid="123"/>
-                                        </p:tgtEl>
-                                        <p:attrNameLst>
-                                          <p:attrName>style.visibility</p:attrName>
-                                        </p:attrNameLst>
-                                      </p:cBhvr>
-                                      <p:to>
-                                        <p:strVal val="visible"/>
-                                      </p:to>
-                                    </p:set>
-                                  </p:childTnLst>
-                                </p:cTn>
-                              </p:par>
-                              <p:par>
-                                <p:cTn id="7" presetID="1" presetClass="entr" presetSubtype="0" fill="hold" nodeType="withEffect">
-                                  <p:stCondLst>
-                                    <p:cond delay="0"/>
-                                  </p:stCondLst>
-                                  <p:childTnLst>
-                                    <p:set>
-                                      <p:cBhvr>
-                                        <p:cTn id="8" dur="1" fill="hold">
-                                          <p:stCondLst>
-                                            <p:cond delay="0"/>
-                                          </p:stCondLst>
-                                        </p:cTn>
-                                        <p:tgtEl>
-                                          <p:spTgt spid="124"/>
-                                        </p:tgtEl>
-                                        <p:attrNameLst>
-                                          <p:attrName>style.visibility</p:attrName>
-                                        </p:attrNameLst>
-                                      </p:cBhvr>
-                                      <p:to>
-                                        <p:strVal val="visible"/>
-                                      </p:to>
-                                    </p:set>
-                                  </p:childTnLst>
-                                </p:cTn>
-                              </p:par>
-                            </p:childTnLst>
-                          </p:cTn>
-                        </p:par>
-                      </p:childTnLst>
-                    </p:cTn>
-                  </p:par>
-                  <p:par>
-                    <p:cTn id="9" fill="hold">
-                      <p:stCondLst>
-                        <p:cond delay="indefinite"/>
-                      </p:stCondLst>
-                      <p:childTnLst>
-                        <p:par>
-                          <p:cTn id="10" fill="hold">
-                            <p:stCondLst>
-                              <p:cond delay="0"/>
-                            </p:stCondLst>
-                            <p:childTnLst>
-                              <p:par>
-                                <p:cTn id="11" presetID="1" presetClass="entr" presetSubtype="0" fill="hold" nodeType="clickEffect">
-                                  <p:stCondLst>
-                                    <p:cond delay="0"/>
-                                  </p:stCondLst>
-                                  <p:childTnLst>
-                                    <p:set>
-                                      <p:cBhvr>
-                                        <p:cTn id="12" dur="1" fill="hold">
-                                          <p:stCondLst>
-                                            <p:cond delay="0"/>
-                                          </p:stCondLst>
-                                        </p:cTn>
-                                        <p:tgtEl>
-                                          <p:spTgt spid="125"/>
-                                        </p:tgtEl>
-                                        <p:attrNameLst>
-                                          <p:attrName>style.visibility</p:attrName>
-                                        </p:attrNameLst>
-                                      </p:cBhvr>
-                                      <p:to>
-                                        <p:strVal val="visible"/>
-                                      </p:to>
-                                    </p:set>
-                                  </p:childTnLst>
-                                </p:cTn>
-                              </p:par>
-                            </p:childTnLst>
-                          </p:cTn>
-                        </p:par>
-                      </p:childTnLst>
-                    </p:cTn>
-                  </p:par>
-                  <p:par>
-                    <p:cTn id="13" fill="hold">
-                      <p:stCondLst>
-                        <p:cond delay="indefinite"/>
-                      </p:stCondLst>
-                      <p:childTnLst>
-                        <p:par>
-                          <p:cTn id="14" fill="hold">
-                            <p:stCondLst>
-                              <p:cond delay="0"/>
-                            </p:stCondLst>
-                            <p:childTnLst>
-                              <p:par>
-                                <p:cTn id="15" presetID="1" presetClass="entr" presetSubtype="0" fill="hold" nodeType="clickEffect">
-                                  <p:stCondLst>
-                                    <p:cond delay="0"/>
-                                  </p:stCondLst>
-                                  <p:childTnLst>
-                                    <p:set>
-                                      <p:cBhvr>
-                                        <p:cTn id="16" dur="1" fill="hold">
-                                          <p:stCondLst>
-                                            <p:cond delay="0"/>
-                                          </p:stCondLst>
-                                        </p:cTn>
-                                        <p:tgtEl>
-                                          <p:spTgt spid="126"/>
                                         </p:tgtEl>
                                         <p:attrNameLst>
                                           <p:attrName>style.visibility</p:attrName>
